--- a/condition/条件判断.pptx
+++ b/condition/条件判断.pptx
@@ -5,7 +5,7 @@
     <p:sldMasterId id="2147483660" r:id="rId1"/>
   </p:sldMasterIdLst>
   <p:notesMasterIdLst>
-    <p:notesMasterId r:id="rId36"/>
+    <p:notesMasterId r:id="rId41"/>
   </p:notesMasterIdLst>
   <p:sldIdLst>
     <p:sldId id="495" r:id="rId2"/>
@@ -36,12 +36,17 @@
     <p:sldId id="1325" r:id="rId27"/>
     <p:sldId id="1326" r:id="rId28"/>
     <p:sldId id="1327" r:id="rId29"/>
-    <p:sldId id="1328" r:id="rId30"/>
-    <p:sldId id="1329" r:id="rId31"/>
-    <p:sldId id="1330" r:id="rId32"/>
-    <p:sldId id="1336" r:id="rId33"/>
-    <p:sldId id="1047" r:id="rId34"/>
-    <p:sldId id="494" r:id="rId35"/>
+    <p:sldId id="1340" r:id="rId30"/>
+    <p:sldId id="1338" r:id="rId31"/>
+    <p:sldId id="1337" r:id="rId32"/>
+    <p:sldId id="1339" r:id="rId33"/>
+    <p:sldId id="1341" r:id="rId34"/>
+    <p:sldId id="1328" r:id="rId35"/>
+    <p:sldId id="1329" r:id="rId36"/>
+    <p:sldId id="1330" r:id="rId37"/>
+    <p:sldId id="1336" r:id="rId38"/>
+    <p:sldId id="1047" r:id="rId39"/>
+    <p:sldId id="494" r:id="rId40"/>
   </p:sldIdLst>
   <p:sldSz cx="12192000" cy="6858000"/>
   <p:notesSz cx="6858000" cy="9144000"/>
@@ -229,7 +234,7 @@
           </a:lstStyle>
           <a:p>
             <a:fld id="{AE030B36-324D-1040-B497-EB12F0B0E05D}" type="datetimeFigureOut">
-              <a:t>10/18/22</a:t>
+              <a:t>2023/11/2</a:t>
             </a:fld>
             <a:endParaRPr lang="en-US"/>
           </a:p>
@@ -2746,7 +2751,7 @@
     </p:spTree>
     <p:extLst>
       <p:ext uri="{BB962C8B-B14F-4D97-AF65-F5344CB8AC3E}">
-        <p14:creationId xmlns:p14="http://schemas.microsoft.com/office/powerpoint/2010/main" val="2871787367"/>
+        <p14:creationId xmlns:p14="http://schemas.microsoft.com/office/powerpoint/2010/main" val="1234702867"/>
       </p:ext>
     </p:extLst>
   </p:cSld>
@@ -2913,7 +2918,7 @@
           <a:p>
             <a:fld id="{5B94CB89-4FF6-7749-8054-AA73E053C962}" type="slidenum">
               <a:rPr lang="en-US"/>
-              <a:t>30</a:t>
+              <a:t>31</a:t>
             </a:fld>
             <a:endParaRPr lang="en-US"/>
           </a:p>
@@ -2922,7 +2927,7 @@
     </p:spTree>
     <p:extLst>
       <p:ext uri="{BB962C8B-B14F-4D97-AF65-F5344CB8AC3E}">
-        <p14:creationId xmlns:p14="http://schemas.microsoft.com/office/powerpoint/2010/main" val="72906830"/>
+        <p14:creationId xmlns:p14="http://schemas.microsoft.com/office/powerpoint/2010/main" val="4168709777"/>
       </p:ext>
     </p:extLst>
   </p:cSld>
@@ -3001,7 +3006,7 @@
           <a:p>
             <a:fld id="{5B94CB89-4FF6-7749-8054-AA73E053C962}" type="slidenum">
               <a:rPr lang="en-US"/>
-              <a:t>31</a:t>
+              <a:t>34</a:t>
             </a:fld>
             <a:endParaRPr lang="en-US"/>
           </a:p>
@@ -3010,7 +3015,7 @@
     </p:spTree>
     <p:extLst>
       <p:ext uri="{BB962C8B-B14F-4D97-AF65-F5344CB8AC3E}">
-        <p14:creationId xmlns:p14="http://schemas.microsoft.com/office/powerpoint/2010/main" val="3305220211"/>
+        <p14:creationId xmlns:p14="http://schemas.microsoft.com/office/powerpoint/2010/main" val="2871787367"/>
       </p:ext>
     </p:extLst>
   </p:cSld>
@@ -3089,7 +3094,7 @@
           <a:p>
             <a:fld id="{5B94CB89-4FF6-7749-8054-AA73E053C962}" type="slidenum">
               <a:rPr lang="en-US"/>
-              <a:t>32</a:t>
+              <a:t>35</a:t>
             </a:fld>
             <a:endParaRPr lang="en-US"/>
           </a:p>
@@ -3098,7 +3103,7 @@
     </p:spTree>
     <p:extLst>
       <p:ext uri="{BB962C8B-B14F-4D97-AF65-F5344CB8AC3E}">
-        <p14:creationId xmlns:p14="http://schemas.microsoft.com/office/powerpoint/2010/main" val="50707355"/>
+        <p14:creationId xmlns:p14="http://schemas.microsoft.com/office/powerpoint/2010/main" val="72906830"/>
       </p:ext>
     </p:extLst>
   </p:cSld>
@@ -3177,7 +3182,183 @@
           <a:p>
             <a:fld id="{5B94CB89-4FF6-7749-8054-AA73E053C962}" type="slidenum">
               <a:rPr lang="en-US"/>
-              <a:t>33</a:t>
+              <a:t>36</a:t>
+            </a:fld>
+            <a:endParaRPr lang="en-US"/>
+          </a:p>
+        </p:txBody>
+      </p:sp>
+    </p:spTree>
+    <p:extLst>
+      <p:ext uri="{BB962C8B-B14F-4D97-AF65-F5344CB8AC3E}">
+        <p14:creationId xmlns:p14="http://schemas.microsoft.com/office/powerpoint/2010/main" val="3305220211"/>
+      </p:ext>
+    </p:extLst>
+  </p:cSld>
+  <p:clrMapOvr>
+    <a:masterClrMapping/>
+  </p:clrMapOvr>
+</p:notes>
+</file>
+
+<file path=ppt/notesSlides/notesSlide34.xml><?xml version="1.0" encoding="utf-8"?>
+<p:notes xmlns:a="http://schemas.openxmlformats.org/drawingml/2006/main" xmlns:r="http://schemas.openxmlformats.org/officeDocument/2006/relationships" xmlns:p="http://schemas.openxmlformats.org/presentationml/2006/main">
+  <p:cSld>
+    <p:spTree>
+      <p:nvGrpSpPr>
+        <p:cNvPr id="1" name=""/>
+        <p:cNvGrpSpPr/>
+        <p:nvPr/>
+      </p:nvGrpSpPr>
+      <p:grpSpPr>
+        <a:xfrm>
+          <a:off x="0" y="0"/>
+          <a:ext cx="0" cy="0"/>
+          <a:chOff x="0" y="0"/>
+          <a:chExt cx="0" cy="0"/>
+        </a:xfrm>
+      </p:grpSpPr>
+      <p:sp>
+        <p:nvSpPr>
+          <p:cNvPr id="2" name="Slide Image Placeholder 1"/>
+          <p:cNvSpPr>
+            <a:spLocks noGrp="1" noRot="1" noChangeAspect="1"/>
+          </p:cNvSpPr>
+          <p:nvPr>
+            <p:ph type="sldImg"/>
+          </p:nvPr>
+        </p:nvSpPr>
+        <p:spPr/>
+      </p:sp>
+      <p:sp>
+        <p:nvSpPr>
+          <p:cNvPr id="3" name="Notes Placeholder 2"/>
+          <p:cNvSpPr>
+            <a:spLocks noGrp="1"/>
+          </p:cNvSpPr>
+          <p:nvPr>
+            <p:ph type="body" idx="1"/>
+          </p:nvPr>
+        </p:nvSpPr>
+        <p:spPr/>
+        <p:txBody>
+          <a:bodyPr/>
+          <a:lstStyle/>
+          <a:p>
+            <a:pPr marL="171450" indent="-171450">
+              <a:buFont typeface="Arial" panose="020B0604020202020204" pitchFamily="34" charset="0"/>
+              <a:buChar char="•"/>
+            </a:pPr>
+            <a:endParaRPr lang="en-US"/>
+          </a:p>
+        </p:txBody>
+      </p:sp>
+      <p:sp>
+        <p:nvSpPr>
+          <p:cNvPr id="4" name="Slide Number Placeholder 3"/>
+          <p:cNvSpPr>
+            <a:spLocks noGrp="1"/>
+          </p:cNvSpPr>
+          <p:nvPr>
+            <p:ph type="sldNum" sz="quarter" idx="5"/>
+          </p:nvPr>
+        </p:nvSpPr>
+        <p:spPr/>
+        <p:txBody>
+          <a:bodyPr/>
+          <a:lstStyle/>
+          <a:p>
+            <a:fld id="{5B94CB89-4FF6-7749-8054-AA73E053C962}" type="slidenum">
+              <a:rPr lang="en-US"/>
+              <a:t>37</a:t>
+            </a:fld>
+            <a:endParaRPr lang="en-US"/>
+          </a:p>
+        </p:txBody>
+      </p:sp>
+    </p:spTree>
+    <p:extLst>
+      <p:ext uri="{BB962C8B-B14F-4D97-AF65-F5344CB8AC3E}">
+        <p14:creationId xmlns:p14="http://schemas.microsoft.com/office/powerpoint/2010/main" val="50707355"/>
+      </p:ext>
+    </p:extLst>
+  </p:cSld>
+  <p:clrMapOvr>
+    <a:masterClrMapping/>
+  </p:clrMapOvr>
+</p:notes>
+</file>
+
+<file path=ppt/notesSlides/notesSlide35.xml><?xml version="1.0" encoding="utf-8"?>
+<p:notes xmlns:a="http://schemas.openxmlformats.org/drawingml/2006/main" xmlns:r="http://schemas.openxmlformats.org/officeDocument/2006/relationships" xmlns:p="http://schemas.openxmlformats.org/presentationml/2006/main">
+  <p:cSld>
+    <p:spTree>
+      <p:nvGrpSpPr>
+        <p:cNvPr id="1" name=""/>
+        <p:cNvGrpSpPr/>
+        <p:nvPr/>
+      </p:nvGrpSpPr>
+      <p:grpSpPr>
+        <a:xfrm>
+          <a:off x="0" y="0"/>
+          <a:ext cx="0" cy="0"/>
+          <a:chOff x="0" y="0"/>
+          <a:chExt cx="0" cy="0"/>
+        </a:xfrm>
+      </p:grpSpPr>
+      <p:sp>
+        <p:nvSpPr>
+          <p:cNvPr id="2" name="Slide Image Placeholder 1"/>
+          <p:cNvSpPr>
+            <a:spLocks noGrp="1" noRot="1" noChangeAspect="1"/>
+          </p:cNvSpPr>
+          <p:nvPr>
+            <p:ph type="sldImg"/>
+          </p:nvPr>
+        </p:nvSpPr>
+        <p:spPr/>
+      </p:sp>
+      <p:sp>
+        <p:nvSpPr>
+          <p:cNvPr id="3" name="Notes Placeholder 2"/>
+          <p:cNvSpPr>
+            <a:spLocks noGrp="1"/>
+          </p:cNvSpPr>
+          <p:nvPr>
+            <p:ph type="body" idx="1"/>
+          </p:nvPr>
+        </p:nvSpPr>
+        <p:spPr/>
+        <p:txBody>
+          <a:bodyPr/>
+          <a:lstStyle/>
+          <a:p>
+            <a:pPr marL="171450" indent="-171450">
+              <a:buFont typeface="Arial" panose="020B0604020202020204" pitchFamily="34" charset="0"/>
+              <a:buChar char="•"/>
+            </a:pPr>
+            <a:endParaRPr lang="en-US"/>
+          </a:p>
+        </p:txBody>
+      </p:sp>
+      <p:sp>
+        <p:nvSpPr>
+          <p:cNvPr id="4" name="Slide Number Placeholder 3"/>
+          <p:cNvSpPr>
+            <a:spLocks noGrp="1"/>
+          </p:cNvSpPr>
+          <p:nvPr>
+            <p:ph type="sldNum" sz="quarter" idx="5"/>
+          </p:nvPr>
+        </p:nvSpPr>
+        <p:spPr/>
+        <p:txBody>
+          <a:bodyPr/>
+          <a:lstStyle/>
+          <a:p>
+            <a:fld id="{5B94CB89-4FF6-7749-8054-AA73E053C962}" type="slidenum">
+              <a:rPr lang="en-US"/>
+              <a:t>38</a:t>
             </a:fld>
             <a:endParaRPr lang="en-US"/>
           </a:p>
@@ -3196,7 +3377,7 @@
 </p:notes>
 </file>
 
-<file path=ppt/notesSlides/notesSlide34.xml><?xml version="1.0" encoding="utf-8"?>
+<file path=ppt/notesSlides/notesSlide36.xml><?xml version="1.0" encoding="utf-8"?>
 <p:notes xmlns:a="http://schemas.openxmlformats.org/drawingml/2006/main" xmlns:r="http://schemas.openxmlformats.org/officeDocument/2006/relationships" xmlns:p="http://schemas.openxmlformats.org/presentationml/2006/main" showMasterSp="0" showMasterPhAnim="0">
   <p:cSld>
     <p:spTree>
@@ -8554,15 +8735,15 @@
               <a:t>信息技术</a:t>
             </a:r>
             <a:r>
-              <a:rPr lang="zh-CN" altLang="en-US" dirty="0" err="1"/>
+              <a:rPr lang="zh-CN" altLang="en-US" dirty="0"/>
               <a:t> </a:t>
             </a:r>
             <a:r>
               <a:rPr lang="en-US" dirty="0" err="1"/>
-              <a:t>第六讲</a:t>
+              <a:t>第九周</a:t>
             </a:r>
             <a:br>
-              <a:rPr lang="en-US" dirty="0" err="1"/>
+              <a:rPr lang="en-US" dirty="0"/>
             </a:br>
             <a:endParaRPr dirty="0"/>
           </a:p>
@@ -17453,7 +17634,7 @@
               <a:buChar char="•"/>
             </a:pPr>
             <a:r>
-              <a:rPr lang="en-US" sz="2400">
+              <a:rPr lang="en-US" sz="2400" dirty="0">
                 <a:latin typeface="Menlo" panose="020B0609030804020204" pitchFamily="49" charset="0"/>
                 <a:ea typeface="Menlo" panose="020B0609030804020204" pitchFamily="49" charset="0"/>
                 <a:cs typeface="Menlo" panose="020B0609030804020204" pitchFamily="49" charset="0"/>
@@ -17461,7 +17642,7 @@
               <a:t>迟交只有</a:t>
             </a:r>
             <a:r>
-              <a:rPr lang="en-US" altLang="zh-CN" sz="2400">
+              <a:rPr lang="en-US" altLang="zh-CN" sz="2400" dirty="0">
                 <a:latin typeface="Menlo" panose="020B0609030804020204" pitchFamily="49" charset="0"/>
                 <a:ea typeface="Menlo" panose="020B0609030804020204" pitchFamily="49" charset="0"/>
                 <a:cs typeface="Menlo" panose="020B0609030804020204" pitchFamily="49" charset="0"/>
@@ -17469,14 +17650,14 @@
               <a:t>50%</a:t>
             </a:r>
             <a:r>
-              <a:rPr lang="zh-CN" altLang="en-US" sz="2400">
+              <a:rPr lang="zh-CN" altLang="en-US" sz="2400" dirty="0">
                 <a:latin typeface="Menlo" panose="020B0609030804020204" pitchFamily="49" charset="0"/>
                 <a:ea typeface="Menlo" panose="020B0609030804020204" pitchFamily="49" charset="0"/>
                 <a:cs typeface="Menlo" panose="020B0609030804020204" pitchFamily="49" charset="0"/>
               </a:rPr>
               <a:t>分数</a:t>
             </a:r>
-            <a:endParaRPr lang="en-US" altLang="zh-CN" sz="2400">
+            <a:endParaRPr lang="en-US" altLang="zh-CN" sz="2400" dirty="0">
               <a:latin typeface="Menlo" panose="020B0609030804020204" pitchFamily="49" charset="0"/>
               <a:ea typeface="Menlo" panose="020B0609030804020204" pitchFamily="49" charset="0"/>
               <a:cs typeface="Menlo" panose="020B0609030804020204" pitchFamily="49" charset="0"/>
@@ -17487,7 +17668,7 @@
               <a:buFont typeface="Arial" panose="020B0604020202020204" pitchFamily="34" charset="0"/>
               <a:buChar char="•"/>
             </a:pPr>
-            <a:endParaRPr lang="en-US" sz="2400">
+            <a:endParaRPr lang="en-US" sz="2400" dirty="0">
               <a:latin typeface="Menlo" panose="020B0609030804020204" pitchFamily="49" charset="0"/>
               <a:ea typeface="Menlo" panose="020B0609030804020204" pitchFamily="49" charset="0"/>
               <a:cs typeface="Menlo" panose="020B0609030804020204" pitchFamily="49" charset="0"/>
@@ -17499,14 +17680,14 @@
               <a:buChar char="•"/>
             </a:pPr>
             <a:r>
-              <a:rPr lang="zh-CN" altLang="en-US" sz="2400">
+              <a:rPr lang="zh-CN" altLang="en-US" sz="2400" dirty="0">
                 <a:latin typeface="Menlo" panose="020B0609030804020204" pitchFamily="49" charset="0"/>
                 <a:ea typeface="Menlo" panose="020B0609030804020204" pitchFamily="49" charset="0"/>
                 <a:cs typeface="Menlo" panose="020B0609030804020204" pitchFamily="49" charset="0"/>
               </a:rPr>
-              <a:t>请提交作业链接</a:t>
-            </a:r>
-            <a:endParaRPr lang="en-US" altLang="zh-CN" sz="2400">
+              <a:t>请看清楚作业要求</a:t>
+            </a:r>
+            <a:endParaRPr lang="en-US" altLang="zh-CN" sz="2400" dirty="0">
               <a:latin typeface="Menlo" panose="020B0609030804020204" pitchFamily="49" charset="0"/>
               <a:ea typeface="Menlo" panose="020B0609030804020204" pitchFamily="49" charset="0"/>
               <a:cs typeface="Menlo" panose="020B0609030804020204" pitchFamily="49" charset="0"/>
@@ -17517,7 +17698,7 @@
               <a:buFont typeface="Arial" panose="020B0604020202020204" pitchFamily="34" charset="0"/>
               <a:buChar char="•"/>
             </a:pPr>
-            <a:endParaRPr lang="en-US" altLang="zh-CN" sz="2400">
+            <a:endParaRPr lang="en-US" altLang="zh-CN" sz="2400" dirty="0">
               <a:latin typeface="Menlo" panose="020B0609030804020204" pitchFamily="49" charset="0"/>
               <a:ea typeface="Menlo" panose="020B0609030804020204" pitchFamily="49" charset="0"/>
               <a:cs typeface="Menlo" panose="020B0609030804020204" pitchFamily="49" charset="0"/>
@@ -17529,14 +17710,14 @@
               <a:buChar char="•"/>
             </a:pPr>
             <a:r>
-              <a:rPr lang="zh-CN" altLang="en-US" sz="3200">
+              <a:rPr lang="zh-CN" altLang="en-US" sz="3200" dirty="0">
                 <a:latin typeface="Menlo" panose="020B0609030804020204" pitchFamily="49" charset="0"/>
                 <a:ea typeface="Menlo" panose="020B0609030804020204" pitchFamily="49" charset="0"/>
                 <a:cs typeface="Menlo" panose="020B0609030804020204" pitchFamily="49" charset="0"/>
               </a:rPr>
               <a:t>切勿抄袭</a:t>
             </a:r>
-            <a:endParaRPr lang="en-US" altLang="zh-CN" sz="3200">
+            <a:endParaRPr lang="en-US" altLang="zh-CN" sz="3200" dirty="0">
               <a:latin typeface="Menlo" panose="020B0609030804020204" pitchFamily="49" charset="0"/>
               <a:ea typeface="Menlo" panose="020B0609030804020204" pitchFamily="49" charset="0"/>
               <a:cs typeface="Menlo" panose="020B0609030804020204" pitchFamily="49" charset="0"/>
@@ -22528,7 +22709,7 @@
           <a:lstStyle/>
           <a:p>
             <a:r>
-              <a:rPr lang="en-US" sz="2400">
+              <a:rPr lang="en-US" sz="2400" dirty="0">
                 <a:latin typeface="Menlo" panose="020B0609030804020204" pitchFamily="49" charset="0"/>
                 <a:ea typeface="Menlo" panose="020B0609030804020204" pitchFamily="49" charset="0"/>
                 <a:cs typeface="Menlo" panose="020B0609030804020204" pitchFamily="49" charset="0"/>
@@ -22538,7 +22719,7 @@
           </a:p>
           <a:p>
             <a:r>
-              <a:rPr lang="en-US" sz="2400">
+              <a:rPr lang="en-US" sz="2400" dirty="0">
                 <a:latin typeface="Menlo" panose="020B0609030804020204" pitchFamily="49" charset="0"/>
                 <a:ea typeface="Menlo" panose="020B0609030804020204" pitchFamily="49" charset="0"/>
                 <a:cs typeface="Menlo" panose="020B0609030804020204" pitchFamily="49" charset="0"/>
@@ -22548,7 +22729,7 @@
           </a:p>
           <a:p>
             <a:r>
-              <a:rPr lang="en-US" sz="2400">
+              <a:rPr lang="en-US" sz="2400" dirty="0">
                 <a:latin typeface="Menlo" panose="020B0609030804020204" pitchFamily="49" charset="0"/>
                 <a:ea typeface="Menlo" panose="020B0609030804020204" pitchFamily="49" charset="0"/>
                 <a:cs typeface="Menlo" panose="020B0609030804020204" pitchFamily="49" charset="0"/>
@@ -22908,7 +23089,7 @@
           <a:lstStyle/>
           <a:p>
             <a:r>
-              <a:rPr lang="en-US" sz="2400">
+              <a:rPr lang="en-US" sz="2400" dirty="0">
                 <a:latin typeface="Menlo" panose="020B0609030804020204" pitchFamily="49" charset="0"/>
                 <a:ea typeface="Menlo" panose="020B0609030804020204" pitchFamily="49" charset="0"/>
                 <a:cs typeface="Menlo" panose="020B0609030804020204" pitchFamily="49" charset="0"/>
@@ -22918,27 +23099,51 @@
           </a:p>
           <a:p>
             <a:r>
-              <a:rPr lang="en-US" sz="2400">
+              <a:rPr lang="en-US" sz="2400" dirty="0" err="1">
                 <a:latin typeface="Menlo" panose="020B0609030804020204" pitchFamily="49" charset="0"/>
                 <a:ea typeface="Menlo" panose="020B0609030804020204" pitchFamily="49" charset="0"/>
                 <a:cs typeface="Menlo" panose="020B0609030804020204" pitchFamily="49" charset="0"/>
               </a:rPr>
-              <a:t>birth_year = 2005</a:t>
-            </a:r>
-          </a:p>
-          <a:p>
-            <a:r>
-              <a:rPr lang="en-US" sz="2400">
+              <a:t>birth_year</a:t>
+            </a:r>
+            <a:r>
+              <a:rPr lang="en-US" sz="2400" dirty="0">
                 <a:latin typeface="Menlo" panose="020B0609030804020204" pitchFamily="49" charset="0"/>
                 <a:ea typeface="Menlo" panose="020B0609030804020204" pitchFamily="49" charset="0"/>
                 <a:cs typeface="Menlo" panose="020B0609030804020204" pitchFamily="49" charset="0"/>
               </a:rPr>
-              <a:t>if(year - birth_year &gt;= 21):</a:t>
-            </a:r>
-          </a:p>
-          <a:p>
-            <a:r>
-              <a:rPr lang="en-US" sz="2400">
+              <a:t> = 2005</a:t>
+            </a:r>
+          </a:p>
+          <a:p>
+            <a:r>
+              <a:rPr lang="en-US" sz="2400" dirty="0">
+                <a:latin typeface="Menlo" panose="020B0609030804020204" pitchFamily="49" charset="0"/>
+                <a:ea typeface="Menlo" panose="020B0609030804020204" pitchFamily="49" charset="0"/>
+                <a:cs typeface="Menlo" panose="020B0609030804020204" pitchFamily="49" charset="0"/>
+              </a:rPr>
+              <a:t>if(year - </a:t>
+            </a:r>
+            <a:r>
+              <a:rPr lang="en-US" sz="2400" dirty="0" err="1">
+                <a:latin typeface="Menlo" panose="020B0609030804020204" pitchFamily="49" charset="0"/>
+                <a:ea typeface="Menlo" panose="020B0609030804020204" pitchFamily="49" charset="0"/>
+                <a:cs typeface="Menlo" panose="020B0609030804020204" pitchFamily="49" charset="0"/>
+              </a:rPr>
+              <a:t>birth_year</a:t>
+            </a:r>
+            <a:r>
+              <a:rPr lang="en-US" sz="2400" dirty="0">
+                <a:latin typeface="Menlo" panose="020B0609030804020204" pitchFamily="49" charset="0"/>
+                <a:ea typeface="Menlo" panose="020B0609030804020204" pitchFamily="49" charset="0"/>
+                <a:cs typeface="Menlo" panose="020B0609030804020204" pitchFamily="49" charset="0"/>
+              </a:rPr>
+              <a:t> &gt;= 21):</a:t>
+            </a:r>
+          </a:p>
+          <a:p>
+            <a:r>
+              <a:rPr lang="en-US" sz="2400" dirty="0">
                 <a:latin typeface="Menlo" panose="020B0609030804020204" pitchFamily="49" charset="0"/>
                 <a:ea typeface="Menlo" panose="020B0609030804020204" pitchFamily="49" charset="0"/>
                 <a:cs typeface="Menlo" panose="020B0609030804020204" pitchFamily="49" charset="0"/>
@@ -23638,312 +23843,46 @@
           </a:lstStyle>
           <a:p>
             <a:r>
-              <a:rPr lang="en-US" sz="2400"/>
-              <a:t>问</a:t>
-            </a:r>
-            <a:r>
-              <a:rPr lang="zh-CN" altLang="en-US" sz="2400"/>
-              <a:t>：什么是缩进？</a:t>
-            </a:r>
-            <a:r>
-              <a:rPr lang="en-US" altLang="zh-CN" sz="2400"/>
-              <a:t> Python</a:t>
-            </a:r>
-            <a:r>
-              <a:rPr lang="zh-CN" altLang="en-US" sz="2400"/>
-              <a:t>为什么要缩进？</a:t>
-            </a:r>
-            <a:endParaRPr lang="en-US" sz="2400"/>
+              <a:rPr lang="en-US" sz="3733"/>
+              <a:t>Example</a:t>
+            </a:r>
           </a:p>
         </p:txBody>
       </p:sp>
-      <p:sp>
-        <p:nvSpPr>
-          <p:cNvPr id="2" name="Title 1">
+      <p:pic>
+        <p:nvPicPr>
+          <p:cNvPr id="2" name="图片 1">
             <a:extLst>
               <a:ext uri="{FF2B5EF4-FFF2-40B4-BE49-F238E27FC236}">
-                <a16:creationId xmlns:a16="http://schemas.microsoft.com/office/drawing/2014/main" id="{088AF81A-D91D-B347-8E7E-0B52261EEA6F}"/>
+                <a16:creationId xmlns:a16="http://schemas.microsoft.com/office/drawing/2014/main" id="{A36478B5-DE06-B98F-E67B-6B591E342905}"/>
               </a:ext>
             </a:extLst>
           </p:cNvPr>
-          <p:cNvSpPr txBox="1">
-            <a:spLocks/>
-          </p:cNvSpPr>
+          <p:cNvPicPr>
+            <a:picLocks noChangeAspect="1"/>
+          </p:cNvPicPr>
           <p:nvPr/>
-        </p:nvSpPr>
+        </p:nvPicPr>
+        <p:blipFill>
+          <a:blip r:embed="rId3"/>
+          <a:stretch>
+            <a:fillRect/>
+          </a:stretch>
+        </p:blipFill>
         <p:spPr>
           <a:xfrm>
-            <a:off x="831200" y="1776793"/>
-            <a:ext cx="11360800" cy="763600"/>
+            <a:off x="959005" y="1828800"/>
+            <a:ext cx="3546088" cy="2659566"/>
           </a:xfrm>
           <a:prstGeom prst="rect">
             <a:avLst/>
           </a:prstGeom>
-          <a:noFill/>
-          <a:ln>
-            <a:noFill/>
-          </a:ln>
         </p:spPr>
-        <p:txBody>
-          <a:bodyPr spcFirstLastPara="1" wrap="square" lIns="121900" tIns="121900" rIns="121900" bIns="121900" anchor="t" anchorCtr="0">
-            <a:noAutofit/>
-          </a:bodyPr>
-          <a:lstStyle>
-            <a:defPPr marR="0" lvl="0" algn="l" rtl="0">
-              <a:lnSpc>
-                <a:spcPct val="100000"/>
-              </a:lnSpc>
-              <a:spcBef>
-                <a:spcPts val="0"/>
-              </a:spcBef>
-              <a:spcAft>
-                <a:spcPts val="0"/>
-              </a:spcAft>
-            </a:defPPr>
-            <a:lvl1pPr marR="0" lvl="0" algn="l" rtl="0">
-              <a:lnSpc>
-                <a:spcPct val="100000"/>
-              </a:lnSpc>
-              <a:spcBef>
-                <a:spcPts val="0"/>
-              </a:spcBef>
-              <a:spcAft>
-                <a:spcPts val="0"/>
-              </a:spcAft>
-              <a:buClr>
-                <a:schemeClr val="dk1"/>
-              </a:buClr>
-              <a:buSzPts val="2800"/>
-              <a:buFont typeface="Arial"/>
-              <a:buNone/>
-              <a:defRPr sz="2800" b="0" i="0" u="none" strike="noStrike" cap="none">
-                <a:solidFill>
-                  <a:schemeClr val="dk1"/>
-                </a:solidFill>
-                <a:latin typeface="Arial"/>
-                <a:ea typeface="Arial"/>
-                <a:cs typeface="Arial"/>
-                <a:sym typeface="Arial"/>
-              </a:defRPr>
-            </a:lvl1pPr>
-            <a:lvl2pPr marR="0" lvl="1" algn="l" rtl="0">
-              <a:lnSpc>
-                <a:spcPct val="100000"/>
-              </a:lnSpc>
-              <a:spcBef>
-                <a:spcPts val="0"/>
-              </a:spcBef>
-              <a:spcAft>
-                <a:spcPts val="0"/>
-              </a:spcAft>
-              <a:buClr>
-                <a:schemeClr val="dk1"/>
-              </a:buClr>
-              <a:buSzPts val="2800"/>
-              <a:buFont typeface="Arial"/>
-              <a:buNone/>
-              <a:defRPr sz="2800" b="0" i="0" u="none" strike="noStrike" cap="none">
-                <a:solidFill>
-                  <a:schemeClr val="dk1"/>
-                </a:solidFill>
-                <a:latin typeface="Arial"/>
-                <a:ea typeface="Arial"/>
-                <a:cs typeface="Arial"/>
-                <a:sym typeface="Arial"/>
-              </a:defRPr>
-            </a:lvl2pPr>
-            <a:lvl3pPr marR="0" lvl="2" algn="l" rtl="0">
-              <a:lnSpc>
-                <a:spcPct val="100000"/>
-              </a:lnSpc>
-              <a:spcBef>
-                <a:spcPts val="0"/>
-              </a:spcBef>
-              <a:spcAft>
-                <a:spcPts val="0"/>
-              </a:spcAft>
-              <a:buClr>
-                <a:schemeClr val="dk1"/>
-              </a:buClr>
-              <a:buSzPts val="2800"/>
-              <a:buFont typeface="Arial"/>
-              <a:buNone/>
-              <a:defRPr sz="2800" b="0" i="0" u="none" strike="noStrike" cap="none">
-                <a:solidFill>
-                  <a:schemeClr val="dk1"/>
-                </a:solidFill>
-                <a:latin typeface="Arial"/>
-                <a:ea typeface="Arial"/>
-                <a:cs typeface="Arial"/>
-                <a:sym typeface="Arial"/>
-              </a:defRPr>
-            </a:lvl3pPr>
-            <a:lvl4pPr marR="0" lvl="3" algn="l" rtl="0">
-              <a:lnSpc>
-                <a:spcPct val="100000"/>
-              </a:lnSpc>
-              <a:spcBef>
-                <a:spcPts val="0"/>
-              </a:spcBef>
-              <a:spcAft>
-                <a:spcPts val="0"/>
-              </a:spcAft>
-              <a:buClr>
-                <a:schemeClr val="dk1"/>
-              </a:buClr>
-              <a:buSzPts val="2800"/>
-              <a:buFont typeface="Arial"/>
-              <a:buNone/>
-              <a:defRPr sz="2800" b="0" i="0" u="none" strike="noStrike" cap="none">
-                <a:solidFill>
-                  <a:schemeClr val="dk1"/>
-                </a:solidFill>
-                <a:latin typeface="Arial"/>
-                <a:ea typeface="Arial"/>
-                <a:cs typeface="Arial"/>
-                <a:sym typeface="Arial"/>
-              </a:defRPr>
-            </a:lvl4pPr>
-            <a:lvl5pPr marR="0" lvl="4" algn="l" rtl="0">
-              <a:lnSpc>
-                <a:spcPct val="100000"/>
-              </a:lnSpc>
-              <a:spcBef>
-                <a:spcPts val="0"/>
-              </a:spcBef>
-              <a:spcAft>
-                <a:spcPts val="0"/>
-              </a:spcAft>
-              <a:buClr>
-                <a:schemeClr val="dk1"/>
-              </a:buClr>
-              <a:buSzPts val="2800"/>
-              <a:buFont typeface="Arial"/>
-              <a:buNone/>
-              <a:defRPr sz="2800" b="0" i="0" u="none" strike="noStrike" cap="none">
-                <a:solidFill>
-                  <a:schemeClr val="dk1"/>
-                </a:solidFill>
-                <a:latin typeface="Arial"/>
-                <a:ea typeface="Arial"/>
-                <a:cs typeface="Arial"/>
-                <a:sym typeface="Arial"/>
-              </a:defRPr>
-            </a:lvl5pPr>
-            <a:lvl6pPr marR="0" lvl="5" algn="l" rtl="0">
-              <a:lnSpc>
-                <a:spcPct val="100000"/>
-              </a:lnSpc>
-              <a:spcBef>
-                <a:spcPts val="0"/>
-              </a:spcBef>
-              <a:spcAft>
-                <a:spcPts val="0"/>
-              </a:spcAft>
-              <a:buClr>
-                <a:schemeClr val="dk1"/>
-              </a:buClr>
-              <a:buSzPts val="2800"/>
-              <a:buFont typeface="Arial"/>
-              <a:buNone/>
-              <a:defRPr sz="2800" b="0" i="0" u="none" strike="noStrike" cap="none">
-                <a:solidFill>
-                  <a:schemeClr val="dk1"/>
-                </a:solidFill>
-                <a:latin typeface="Arial"/>
-                <a:ea typeface="Arial"/>
-                <a:cs typeface="Arial"/>
-                <a:sym typeface="Arial"/>
-              </a:defRPr>
-            </a:lvl6pPr>
-            <a:lvl7pPr marR="0" lvl="6" algn="l" rtl="0">
-              <a:lnSpc>
-                <a:spcPct val="100000"/>
-              </a:lnSpc>
-              <a:spcBef>
-                <a:spcPts val="0"/>
-              </a:spcBef>
-              <a:spcAft>
-                <a:spcPts val="0"/>
-              </a:spcAft>
-              <a:buClr>
-                <a:schemeClr val="dk1"/>
-              </a:buClr>
-              <a:buSzPts val="2800"/>
-              <a:buFont typeface="Arial"/>
-              <a:buNone/>
-              <a:defRPr sz="2800" b="0" i="0" u="none" strike="noStrike" cap="none">
-                <a:solidFill>
-                  <a:schemeClr val="dk1"/>
-                </a:solidFill>
-                <a:latin typeface="Arial"/>
-                <a:ea typeface="Arial"/>
-                <a:cs typeface="Arial"/>
-                <a:sym typeface="Arial"/>
-              </a:defRPr>
-            </a:lvl7pPr>
-            <a:lvl8pPr marR="0" lvl="7" algn="l" rtl="0">
-              <a:lnSpc>
-                <a:spcPct val="100000"/>
-              </a:lnSpc>
-              <a:spcBef>
-                <a:spcPts val="0"/>
-              </a:spcBef>
-              <a:spcAft>
-                <a:spcPts val="0"/>
-              </a:spcAft>
-              <a:buClr>
-                <a:schemeClr val="dk1"/>
-              </a:buClr>
-              <a:buSzPts val="2800"/>
-              <a:buFont typeface="Arial"/>
-              <a:buNone/>
-              <a:defRPr sz="2800" b="0" i="0" u="none" strike="noStrike" cap="none">
-                <a:solidFill>
-                  <a:schemeClr val="dk1"/>
-                </a:solidFill>
-                <a:latin typeface="Arial"/>
-                <a:ea typeface="Arial"/>
-                <a:cs typeface="Arial"/>
-                <a:sym typeface="Arial"/>
-              </a:defRPr>
-            </a:lvl8pPr>
-            <a:lvl9pPr marR="0" lvl="8" algn="l" rtl="0">
-              <a:lnSpc>
-                <a:spcPct val="100000"/>
-              </a:lnSpc>
-              <a:spcBef>
-                <a:spcPts val="0"/>
-              </a:spcBef>
-              <a:spcAft>
-                <a:spcPts val="0"/>
-              </a:spcAft>
-              <a:buClr>
-                <a:schemeClr val="dk1"/>
-              </a:buClr>
-              <a:buSzPts val="2800"/>
-              <a:buFont typeface="Arial"/>
-              <a:buNone/>
-              <a:defRPr sz="2800" b="0" i="0" u="none" strike="noStrike" cap="none">
-                <a:solidFill>
-                  <a:schemeClr val="dk1"/>
-                </a:solidFill>
-                <a:latin typeface="Arial"/>
-                <a:ea typeface="Arial"/>
-                <a:cs typeface="Arial"/>
-                <a:sym typeface="Arial"/>
-              </a:defRPr>
-            </a:lvl9pPr>
-          </a:lstStyle>
-          <a:p>
-            <a:endParaRPr lang="zh-CN" altLang="en-US" sz="2400"/>
-          </a:p>
-        </p:txBody>
-      </p:sp>
+      </p:pic>
     </p:spTree>
     <p:extLst>
       <p:ext uri="{BB962C8B-B14F-4D97-AF65-F5344CB8AC3E}">
-        <p14:creationId xmlns:p14="http://schemas.microsoft.com/office/powerpoint/2010/main" val="3824107284"/>
+        <p14:creationId xmlns:p14="http://schemas.microsoft.com/office/powerpoint/2010/main" val="1706188151"/>
       </p:ext>
     </p:extLst>
   </p:cSld>
@@ -24415,6 +24354,119 @@
       </p:grpSpPr>
       <p:sp>
         <p:nvSpPr>
+          <p:cNvPr id="3" name="文本占位符 2">
+            <a:extLst>
+              <a:ext uri="{FF2B5EF4-FFF2-40B4-BE49-F238E27FC236}">
+                <a16:creationId xmlns:a16="http://schemas.microsoft.com/office/drawing/2014/main" id="{1D28C20C-5A0F-1CEA-9704-E6CCF84823B4}"/>
+              </a:ext>
+            </a:extLst>
+          </p:cNvPr>
+          <p:cNvSpPr>
+            <a:spLocks noGrp="1"/>
+          </p:cNvSpPr>
+          <p:nvPr>
+            <p:ph type="body" idx="1"/>
+          </p:nvPr>
+        </p:nvSpPr>
+        <p:spPr>
+          <a:xfrm>
+            <a:off x="415600" y="309999"/>
+            <a:ext cx="11360800" cy="4555200"/>
+          </a:xfrm>
+        </p:spPr>
+        <p:txBody>
+          <a:bodyPr/>
+          <a:lstStyle/>
+          <a:p>
+            <a:pPr marL="152396" indent="0">
+              <a:buNone/>
+            </a:pPr>
+            <a:r>
+              <a:rPr lang="en-US" altLang="zh-CN" sz="2400" dirty="0">
+                <a:solidFill>
+                  <a:schemeClr val="tx1"/>
+                </a:solidFill>
+                <a:effectLst/>
+              </a:rPr>
+              <a:t>In </a:t>
+            </a:r>
+            <a:r>
+              <a:rPr lang="en-US" altLang="zh-CN" sz="2400" u="none" strike="noStrike" dirty="0">
+                <a:solidFill>
+                  <a:schemeClr val="tx1"/>
+                </a:solidFill>
+                <a:effectLst/>
+                <a:hlinkClick r:id="rId2">
+                  <a:extLst>
+                    <a:ext uri="{A12FA001-AC4F-418D-AE19-62706E023703}">
+                      <ahyp:hlinkClr xmlns:ahyp="http://schemas.microsoft.com/office/drawing/2018/hyperlinkcolor" val="tx"/>
+                    </a:ext>
+                  </a:extLst>
+                </a:hlinkClick>
+              </a:rPr>
+              <a:t>Distance</a:t>
+            </a:r>
+            <a:r>
+              <a:rPr lang="en-US" altLang="zh-CN" sz="2400" dirty="0">
+                <a:solidFill>
+                  <a:schemeClr val="tx1"/>
+                </a:solidFill>
+                <a:effectLst/>
+              </a:rPr>
+              <a:t>, if the line of two points is vertical, the program will crash since the slope would be infinity. Modify your program so that it could print the correct output without crashing.</a:t>
+            </a:r>
+          </a:p>
+          <a:p>
+            <a:pPr marL="152396" indent="0">
+              <a:buNone/>
+            </a:pPr>
+            <a:br>
+              <a:rPr lang="en-US" altLang="zh-CN" sz="2400" dirty="0">
+                <a:solidFill>
+                  <a:schemeClr val="tx1"/>
+                </a:solidFill>
+              </a:rPr>
+            </a:br>
+            <a:endParaRPr kumimoji="1" lang="zh-CN" altLang="en-US" sz="2400" dirty="0">
+              <a:solidFill>
+                <a:schemeClr val="tx1"/>
+              </a:solidFill>
+            </a:endParaRPr>
+          </a:p>
+        </p:txBody>
+      </p:sp>
+    </p:spTree>
+    <p:extLst>
+      <p:ext uri="{BB962C8B-B14F-4D97-AF65-F5344CB8AC3E}">
+        <p14:creationId xmlns:p14="http://schemas.microsoft.com/office/powerpoint/2010/main" val="2788905809"/>
+      </p:ext>
+    </p:extLst>
+  </p:cSld>
+  <p:clrMapOvr>
+    <a:masterClrMapping/>
+  </p:clrMapOvr>
+</p:sld>
+</file>
+
+<file path=ppt/slides/slide31.xml><?xml version="1.0" encoding="utf-8"?>
+<p:sld xmlns:a="http://schemas.openxmlformats.org/drawingml/2006/main" xmlns:r="http://schemas.openxmlformats.org/officeDocument/2006/relationships" xmlns:p="http://schemas.openxmlformats.org/presentationml/2006/main">
+  <p:cSld>
+    <p:spTree>
+      <p:nvGrpSpPr>
+        <p:cNvPr id="1" name=""/>
+        <p:cNvGrpSpPr/>
+        <p:nvPr/>
+      </p:nvGrpSpPr>
+      <p:grpSpPr>
+        <a:xfrm>
+          <a:off x="0" y="0"/>
+          <a:ext cx="0" cy="0"/>
+          <a:chOff x="0" y="0"/>
+          <a:chExt cx="0" cy="0"/>
+        </a:xfrm>
+      </p:grpSpPr>
+      <p:sp>
+        <p:nvSpPr>
           <p:cNvPr id="7" name="Title 1">
             <a:extLst>
               <a:ext uri="{FF2B5EF4-FFF2-40B4-BE49-F238E27FC236}">
@@ -24429,7 +24481,7 @@
         </p:nvSpPr>
         <p:spPr>
           <a:xfrm>
-            <a:off x="831200" y="888186"/>
+            <a:off x="786807" y="341776"/>
             <a:ext cx="11360800" cy="763600"/>
           </a:xfrm>
           <a:prstGeom prst="rect">
@@ -24693,382 +24745,18 @@
           </a:lstStyle>
           <a:p>
             <a:r>
-              <a:rPr lang="en-US" sz="2400"/>
-              <a:t>问</a:t>
-            </a:r>
-            <a:r>
-              <a:rPr lang="zh-CN" altLang="en-US" sz="2400"/>
-              <a:t>：什么是缩进？</a:t>
-            </a:r>
-            <a:r>
-              <a:rPr lang="en-US" altLang="zh-CN" sz="2400"/>
-              <a:t> Python</a:t>
-            </a:r>
-            <a:r>
-              <a:rPr lang="zh-CN" altLang="en-US" sz="2400"/>
-              <a:t>为什么要缩进？</a:t>
-            </a:r>
-            <a:endParaRPr lang="en-US" sz="2400"/>
+              <a:rPr lang="en-US" sz="3733" dirty="0"/>
+              <a:t>Example</a:t>
+            </a:r>
           </a:p>
         </p:txBody>
       </p:sp>
       <p:sp>
         <p:nvSpPr>
-          <p:cNvPr id="3" name="Title 1">
+          <p:cNvPr id="5" name="TextBox 4">
             <a:extLst>
               <a:ext uri="{FF2B5EF4-FFF2-40B4-BE49-F238E27FC236}">
-                <a16:creationId xmlns:a16="http://schemas.microsoft.com/office/drawing/2014/main" id="{D5DD86B5-2CA7-83F1-E676-431DDBB1CBE2}"/>
-              </a:ext>
-            </a:extLst>
-          </p:cNvPr>
-          <p:cNvSpPr txBox="1">
-            <a:spLocks/>
-          </p:cNvSpPr>
-          <p:nvPr/>
-        </p:nvSpPr>
-        <p:spPr>
-          <a:xfrm>
-            <a:off x="831200" y="1876609"/>
-            <a:ext cx="11360800" cy="763600"/>
-          </a:xfrm>
-          <a:prstGeom prst="rect">
-            <a:avLst/>
-          </a:prstGeom>
-          <a:noFill/>
-          <a:ln>
-            <a:noFill/>
-          </a:ln>
-        </p:spPr>
-        <p:txBody>
-          <a:bodyPr spcFirstLastPara="1" wrap="square" lIns="121900" tIns="121900" rIns="121900" bIns="121900" anchor="t" anchorCtr="0">
-            <a:noAutofit/>
-          </a:bodyPr>
-          <a:lstStyle>
-            <a:defPPr marR="0" lvl="0" algn="l" rtl="0">
-              <a:lnSpc>
-                <a:spcPct val="100000"/>
-              </a:lnSpc>
-              <a:spcBef>
-                <a:spcPts val="0"/>
-              </a:spcBef>
-              <a:spcAft>
-                <a:spcPts val="0"/>
-              </a:spcAft>
-            </a:defPPr>
-            <a:lvl1pPr marR="0" lvl="0" algn="l" rtl="0">
-              <a:lnSpc>
-                <a:spcPct val="100000"/>
-              </a:lnSpc>
-              <a:spcBef>
-                <a:spcPts val="0"/>
-              </a:spcBef>
-              <a:spcAft>
-                <a:spcPts val="0"/>
-              </a:spcAft>
-              <a:buClr>
-                <a:schemeClr val="dk1"/>
-              </a:buClr>
-              <a:buSzPts val="2800"/>
-              <a:buFont typeface="Arial"/>
-              <a:buNone/>
-              <a:defRPr sz="2800" b="0" i="0" u="none" strike="noStrike" cap="none">
-                <a:solidFill>
-                  <a:schemeClr val="dk1"/>
-                </a:solidFill>
-                <a:latin typeface="Arial"/>
-                <a:ea typeface="Arial"/>
-                <a:cs typeface="Arial"/>
-                <a:sym typeface="Arial"/>
-              </a:defRPr>
-            </a:lvl1pPr>
-            <a:lvl2pPr marR="0" lvl="1" algn="l" rtl="0">
-              <a:lnSpc>
-                <a:spcPct val="100000"/>
-              </a:lnSpc>
-              <a:spcBef>
-                <a:spcPts val="0"/>
-              </a:spcBef>
-              <a:spcAft>
-                <a:spcPts val="0"/>
-              </a:spcAft>
-              <a:buClr>
-                <a:schemeClr val="dk1"/>
-              </a:buClr>
-              <a:buSzPts val="2800"/>
-              <a:buFont typeface="Arial"/>
-              <a:buNone/>
-              <a:defRPr sz="2800" b="0" i="0" u="none" strike="noStrike" cap="none">
-                <a:solidFill>
-                  <a:schemeClr val="dk1"/>
-                </a:solidFill>
-                <a:latin typeface="Arial"/>
-                <a:ea typeface="Arial"/>
-                <a:cs typeface="Arial"/>
-                <a:sym typeface="Arial"/>
-              </a:defRPr>
-            </a:lvl2pPr>
-            <a:lvl3pPr marR="0" lvl="2" algn="l" rtl="0">
-              <a:lnSpc>
-                <a:spcPct val="100000"/>
-              </a:lnSpc>
-              <a:spcBef>
-                <a:spcPts val="0"/>
-              </a:spcBef>
-              <a:spcAft>
-                <a:spcPts val="0"/>
-              </a:spcAft>
-              <a:buClr>
-                <a:schemeClr val="dk1"/>
-              </a:buClr>
-              <a:buSzPts val="2800"/>
-              <a:buFont typeface="Arial"/>
-              <a:buNone/>
-              <a:defRPr sz="2800" b="0" i="0" u="none" strike="noStrike" cap="none">
-                <a:solidFill>
-                  <a:schemeClr val="dk1"/>
-                </a:solidFill>
-                <a:latin typeface="Arial"/>
-                <a:ea typeface="Arial"/>
-                <a:cs typeface="Arial"/>
-                <a:sym typeface="Arial"/>
-              </a:defRPr>
-            </a:lvl3pPr>
-            <a:lvl4pPr marR="0" lvl="3" algn="l" rtl="0">
-              <a:lnSpc>
-                <a:spcPct val="100000"/>
-              </a:lnSpc>
-              <a:spcBef>
-                <a:spcPts val="0"/>
-              </a:spcBef>
-              <a:spcAft>
-                <a:spcPts val="0"/>
-              </a:spcAft>
-              <a:buClr>
-                <a:schemeClr val="dk1"/>
-              </a:buClr>
-              <a:buSzPts val="2800"/>
-              <a:buFont typeface="Arial"/>
-              <a:buNone/>
-              <a:defRPr sz="2800" b="0" i="0" u="none" strike="noStrike" cap="none">
-                <a:solidFill>
-                  <a:schemeClr val="dk1"/>
-                </a:solidFill>
-                <a:latin typeface="Arial"/>
-                <a:ea typeface="Arial"/>
-                <a:cs typeface="Arial"/>
-                <a:sym typeface="Arial"/>
-              </a:defRPr>
-            </a:lvl4pPr>
-            <a:lvl5pPr marR="0" lvl="4" algn="l" rtl="0">
-              <a:lnSpc>
-                <a:spcPct val="100000"/>
-              </a:lnSpc>
-              <a:spcBef>
-                <a:spcPts val="0"/>
-              </a:spcBef>
-              <a:spcAft>
-                <a:spcPts val="0"/>
-              </a:spcAft>
-              <a:buClr>
-                <a:schemeClr val="dk1"/>
-              </a:buClr>
-              <a:buSzPts val="2800"/>
-              <a:buFont typeface="Arial"/>
-              <a:buNone/>
-              <a:defRPr sz="2800" b="0" i="0" u="none" strike="noStrike" cap="none">
-                <a:solidFill>
-                  <a:schemeClr val="dk1"/>
-                </a:solidFill>
-                <a:latin typeface="Arial"/>
-                <a:ea typeface="Arial"/>
-                <a:cs typeface="Arial"/>
-                <a:sym typeface="Arial"/>
-              </a:defRPr>
-            </a:lvl5pPr>
-            <a:lvl6pPr marR="0" lvl="5" algn="l" rtl="0">
-              <a:lnSpc>
-                <a:spcPct val="100000"/>
-              </a:lnSpc>
-              <a:spcBef>
-                <a:spcPts val="0"/>
-              </a:spcBef>
-              <a:spcAft>
-                <a:spcPts val="0"/>
-              </a:spcAft>
-              <a:buClr>
-                <a:schemeClr val="dk1"/>
-              </a:buClr>
-              <a:buSzPts val="2800"/>
-              <a:buFont typeface="Arial"/>
-              <a:buNone/>
-              <a:defRPr sz="2800" b="0" i="0" u="none" strike="noStrike" cap="none">
-                <a:solidFill>
-                  <a:schemeClr val="dk1"/>
-                </a:solidFill>
-                <a:latin typeface="Arial"/>
-                <a:ea typeface="Arial"/>
-                <a:cs typeface="Arial"/>
-                <a:sym typeface="Arial"/>
-              </a:defRPr>
-            </a:lvl6pPr>
-            <a:lvl7pPr marR="0" lvl="6" algn="l" rtl="0">
-              <a:lnSpc>
-                <a:spcPct val="100000"/>
-              </a:lnSpc>
-              <a:spcBef>
-                <a:spcPts val="0"/>
-              </a:spcBef>
-              <a:spcAft>
-                <a:spcPts val="0"/>
-              </a:spcAft>
-              <a:buClr>
-                <a:schemeClr val="dk1"/>
-              </a:buClr>
-              <a:buSzPts val="2800"/>
-              <a:buFont typeface="Arial"/>
-              <a:buNone/>
-              <a:defRPr sz="2800" b="0" i="0" u="none" strike="noStrike" cap="none">
-                <a:solidFill>
-                  <a:schemeClr val="dk1"/>
-                </a:solidFill>
-                <a:latin typeface="Arial"/>
-                <a:ea typeface="Arial"/>
-                <a:cs typeface="Arial"/>
-                <a:sym typeface="Arial"/>
-              </a:defRPr>
-            </a:lvl7pPr>
-            <a:lvl8pPr marR="0" lvl="7" algn="l" rtl="0">
-              <a:lnSpc>
-                <a:spcPct val="100000"/>
-              </a:lnSpc>
-              <a:spcBef>
-                <a:spcPts val="0"/>
-              </a:spcBef>
-              <a:spcAft>
-                <a:spcPts val="0"/>
-              </a:spcAft>
-              <a:buClr>
-                <a:schemeClr val="dk1"/>
-              </a:buClr>
-              <a:buSzPts val="2800"/>
-              <a:buFont typeface="Arial"/>
-              <a:buNone/>
-              <a:defRPr sz="2800" b="0" i="0" u="none" strike="noStrike" cap="none">
-                <a:solidFill>
-                  <a:schemeClr val="dk1"/>
-                </a:solidFill>
-                <a:latin typeface="Arial"/>
-                <a:ea typeface="Arial"/>
-                <a:cs typeface="Arial"/>
-                <a:sym typeface="Arial"/>
-              </a:defRPr>
-            </a:lvl8pPr>
-            <a:lvl9pPr marR="0" lvl="8" algn="l" rtl="0">
-              <a:lnSpc>
-                <a:spcPct val="100000"/>
-              </a:lnSpc>
-              <a:spcBef>
-                <a:spcPts val="0"/>
-              </a:spcBef>
-              <a:spcAft>
-                <a:spcPts val="0"/>
-              </a:spcAft>
-              <a:buClr>
-                <a:schemeClr val="dk1"/>
-              </a:buClr>
-              <a:buSzPts val="2800"/>
-              <a:buFont typeface="Arial"/>
-              <a:buNone/>
-              <a:defRPr sz="2800" b="0" i="0" u="none" strike="noStrike" cap="none">
-                <a:solidFill>
-                  <a:schemeClr val="dk1"/>
-                </a:solidFill>
-                <a:latin typeface="Arial"/>
-                <a:ea typeface="Arial"/>
-                <a:cs typeface="Arial"/>
-                <a:sym typeface="Arial"/>
-              </a:defRPr>
-            </a:lvl9pPr>
-          </a:lstStyle>
-          <a:p>
-            <a:r>
-              <a:rPr lang="zh-CN" altLang="en-US" sz="2400"/>
-              <a:t>答：缩进是为了区分代码层次，例如</a:t>
-            </a:r>
-            <a:r>
-              <a:rPr lang="en-US" altLang="zh-CN" sz="2400"/>
-              <a:t>if</a:t>
-            </a:r>
-            <a:r>
-              <a:rPr lang="zh-CN" altLang="en-US" sz="2400"/>
-              <a:t>中的执行语句就是</a:t>
-            </a:r>
-            <a:r>
-              <a:rPr lang="en-US" altLang="zh-CN" sz="2400"/>
-              <a:t>if</a:t>
-            </a:r>
-            <a:r>
-              <a:rPr lang="zh-CN" altLang="en-US" sz="2400"/>
-              <a:t>结构的一部分，它与</a:t>
-            </a:r>
-            <a:r>
-              <a:rPr lang="en-US" altLang="zh-CN" sz="2400"/>
-              <a:t>if</a:t>
-            </a:r>
-            <a:r>
-              <a:rPr lang="zh-CN" altLang="en-US" sz="2400"/>
-              <a:t>结构外的代码处于不同层次。</a:t>
-            </a:r>
-            <a:endParaRPr lang="en-US" altLang="zh-CN" sz="2400"/>
-          </a:p>
-          <a:p>
-            <a:endParaRPr lang="en-US" sz="2400"/>
-          </a:p>
-          <a:p>
-            <a:r>
-              <a:rPr lang="zh-CN" altLang="en-US" sz="2400"/>
-              <a:t>其他语言中通常使用</a:t>
-            </a:r>
-            <a:r>
-              <a:rPr lang="en-US" altLang="zh-CN" sz="2400"/>
-              <a:t>{ }</a:t>
-            </a:r>
-            <a:r>
-              <a:rPr lang="zh-CN" altLang="en-US" sz="2400"/>
-              <a:t>来区分代码层次，</a:t>
-            </a:r>
-            <a:r>
-              <a:rPr lang="en-US" altLang="zh-CN" sz="2400"/>
-              <a:t>Python</a:t>
-            </a:r>
-            <a:r>
-              <a:rPr lang="zh-CN" altLang="en-US" sz="2400"/>
-              <a:t>中不使用</a:t>
-            </a:r>
-            <a:r>
-              <a:rPr lang="en-US" altLang="zh-CN" sz="2400"/>
-              <a:t>{  }</a:t>
-            </a:r>
-            <a:r>
-              <a:rPr lang="zh-CN" altLang="en-US" sz="2400"/>
-              <a:t>，而是用缩进来区分。</a:t>
-            </a:r>
-            <a:endParaRPr lang="en-US" altLang="zh-CN" sz="2400"/>
-          </a:p>
-          <a:p>
-            <a:endParaRPr lang="en-US" sz="2400"/>
-          </a:p>
-          <a:p>
-            <a:endParaRPr lang="en-US" sz="2400"/>
-          </a:p>
-        </p:txBody>
-      </p:sp>
-      <p:sp>
-        <p:nvSpPr>
-          <p:cNvPr id="4" name="TextBox 3">
-            <a:extLst>
-              <a:ext uri="{FF2B5EF4-FFF2-40B4-BE49-F238E27FC236}">
-                <a16:creationId xmlns:a16="http://schemas.microsoft.com/office/drawing/2014/main" id="{4F739231-7DA6-ACC8-1F43-F3491C30C520}"/>
+                <a16:creationId xmlns:a16="http://schemas.microsoft.com/office/drawing/2014/main" id="{710FCB6B-08E1-76E6-DF39-796561EE648F}"/>
               </a:ext>
             </a:extLst>
           </p:cNvPr>
@@ -25077,8 +24765,8 @@
         </p:nvSpPr>
         <p:spPr>
           <a:xfrm>
-            <a:off x="831200" y="3979093"/>
-            <a:ext cx="9174949" cy="1200329"/>
+            <a:off x="786807" y="1350703"/>
+            <a:ext cx="9174949" cy="5078313"/>
           </a:xfrm>
           <a:prstGeom prst="rect">
             <a:avLst/>
@@ -25097,32 +24785,222 @@
           <a:lstStyle/>
           <a:p>
             <a:r>
-              <a:rPr lang="en-US" sz="2400">
+              <a:rPr lang="en-US" dirty="0">
                 <a:latin typeface="Menlo" panose="020B0609030804020204" pitchFamily="49" charset="0"/>
                 <a:ea typeface="Menlo" panose="020B0609030804020204" pitchFamily="49" charset="0"/>
                 <a:cs typeface="Menlo" panose="020B0609030804020204" pitchFamily="49" charset="0"/>
               </a:rPr>
-              <a:t>s = “Morning”		#level 1</a:t>
-            </a:r>
-          </a:p>
-          <a:p>
-            <a:r>
-              <a:rPr lang="en-US" sz="2400">
+              <a:t>def s1():</a:t>
+            </a:r>
+          </a:p>
+          <a:p>
+            <a:r>
+              <a:rPr lang="en-US" dirty="0">
                 <a:latin typeface="Menlo" panose="020B0609030804020204" pitchFamily="49" charset="0"/>
                 <a:ea typeface="Menlo" panose="020B0609030804020204" pitchFamily="49" charset="0"/>
                 <a:cs typeface="Menlo" panose="020B0609030804020204" pitchFamily="49" charset="0"/>
               </a:rPr>
-              <a:t>if(len(s) &gt; 5):</a:t>
-            </a:r>
-          </a:p>
-          <a:p>
-            <a:r>
-              <a:rPr lang="en-US" sz="2400">
+              <a:t>    x1=float(input("Please enter the x </a:t>
+            </a:r>
+            <a:r>
+              <a:rPr lang="en-US" dirty="0" err="1">
                 <a:latin typeface="Menlo" panose="020B0609030804020204" pitchFamily="49" charset="0"/>
                 <a:ea typeface="Menlo" panose="020B0609030804020204" pitchFamily="49" charset="0"/>
                 <a:cs typeface="Menlo" panose="020B0609030804020204" pitchFamily="49" charset="0"/>
               </a:rPr>
-              <a:t>	s = s[0:5]	#level 2</a:t>
+              <a:t>coodinates</a:t>
+            </a:r>
+            <a:r>
+              <a:rPr lang="en-US" dirty="0">
+                <a:latin typeface="Menlo" panose="020B0609030804020204" pitchFamily="49" charset="0"/>
+                <a:ea typeface="Menlo" panose="020B0609030804020204" pitchFamily="49" charset="0"/>
+                <a:cs typeface="Menlo" panose="020B0609030804020204" pitchFamily="49" charset="0"/>
+              </a:rPr>
+              <a:t> of first point: "))</a:t>
+            </a:r>
+          </a:p>
+          <a:p>
+            <a:r>
+              <a:rPr lang="en-US" dirty="0">
+                <a:latin typeface="Menlo" panose="020B0609030804020204" pitchFamily="49" charset="0"/>
+                <a:ea typeface="Menlo" panose="020B0609030804020204" pitchFamily="49" charset="0"/>
+                <a:cs typeface="Menlo" panose="020B0609030804020204" pitchFamily="49" charset="0"/>
+              </a:rPr>
+              <a:t>  </a:t>
+            </a:r>
+          </a:p>
+          <a:p>
+            <a:r>
+              <a:rPr lang="en-US" dirty="0">
+                <a:latin typeface="Menlo" panose="020B0609030804020204" pitchFamily="49" charset="0"/>
+                <a:ea typeface="Menlo" panose="020B0609030804020204" pitchFamily="49" charset="0"/>
+                <a:cs typeface="Menlo" panose="020B0609030804020204" pitchFamily="49" charset="0"/>
+              </a:rPr>
+              <a:t>    y1=float(input("Please enter the y </a:t>
+            </a:r>
+            <a:r>
+              <a:rPr lang="en-US" dirty="0" err="1">
+                <a:latin typeface="Menlo" panose="020B0609030804020204" pitchFamily="49" charset="0"/>
+                <a:ea typeface="Menlo" panose="020B0609030804020204" pitchFamily="49" charset="0"/>
+                <a:cs typeface="Menlo" panose="020B0609030804020204" pitchFamily="49" charset="0"/>
+              </a:rPr>
+              <a:t>coodinates</a:t>
+            </a:r>
+            <a:r>
+              <a:rPr lang="en-US" dirty="0">
+                <a:latin typeface="Menlo" panose="020B0609030804020204" pitchFamily="49" charset="0"/>
+                <a:ea typeface="Menlo" panose="020B0609030804020204" pitchFamily="49" charset="0"/>
+                <a:cs typeface="Menlo" panose="020B0609030804020204" pitchFamily="49" charset="0"/>
+              </a:rPr>
+              <a:t> of first point: "))</a:t>
+            </a:r>
+          </a:p>
+          <a:p>
+            <a:r>
+              <a:rPr lang="en-US" dirty="0">
+                <a:latin typeface="Menlo" panose="020B0609030804020204" pitchFamily="49" charset="0"/>
+                <a:ea typeface="Menlo" panose="020B0609030804020204" pitchFamily="49" charset="0"/>
+                <a:cs typeface="Menlo" panose="020B0609030804020204" pitchFamily="49" charset="0"/>
+              </a:rPr>
+              <a:t>  </a:t>
+            </a:r>
+          </a:p>
+          <a:p>
+            <a:r>
+              <a:rPr lang="en-US" dirty="0">
+                <a:latin typeface="Menlo" panose="020B0609030804020204" pitchFamily="49" charset="0"/>
+                <a:ea typeface="Menlo" panose="020B0609030804020204" pitchFamily="49" charset="0"/>
+                <a:cs typeface="Menlo" panose="020B0609030804020204" pitchFamily="49" charset="0"/>
+              </a:rPr>
+              <a:t>    x2=float(input("Please enter the x </a:t>
+            </a:r>
+            <a:r>
+              <a:rPr lang="en-US" dirty="0" err="1">
+                <a:latin typeface="Menlo" panose="020B0609030804020204" pitchFamily="49" charset="0"/>
+                <a:ea typeface="Menlo" panose="020B0609030804020204" pitchFamily="49" charset="0"/>
+                <a:cs typeface="Menlo" panose="020B0609030804020204" pitchFamily="49" charset="0"/>
+              </a:rPr>
+              <a:t>coodinates</a:t>
+            </a:r>
+            <a:r>
+              <a:rPr lang="en-US" dirty="0">
+                <a:latin typeface="Menlo" panose="020B0609030804020204" pitchFamily="49" charset="0"/>
+                <a:ea typeface="Menlo" panose="020B0609030804020204" pitchFamily="49" charset="0"/>
+                <a:cs typeface="Menlo" panose="020B0609030804020204" pitchFamily="49" charset="0"/>
+              </a:rPr>
+              <a:t> of second point: "))</a:t>
+            </a:r>
+          </a:p>
+          <a:p>
+            <a:r>
+              <a:rPr lang="en-US" dirty="0">
+                <a:latin typeface="Menlo" panose="020B0609030804020204" pitchFamily="49" charset="0"/>
+                <a:ea typeface="Menlo" panose="020B0609030804020204" pitchFamily="49" charset="0"/>
+                <a:cs typeface="Menlo" panose="020B0609030804020204" pitchFamily="49" charset="0"/>
+              </a:rPr>
+              <a:t>  </a:t>
+            </a:r>
+          </a:p>
+          <a:p>
+            <a:r>
+              <a:rPr lang="en-US" dirty="0">
+                <a:latin typeface="Menlo" panose="020B0609030804020204" pitchFamily="49" charset="0"/>
+                <a:ea typeface="Menlo" panose="020B0609030804020204" pitchFamily="49" charset="0"/>
+                <a:cs typeface="Menlo" panose="020B0609030804020204" pitchFamily="49" charset="0"/>
+              </a:rPr>
+              <a:t>    y2=float(input("Please enter the y </a:t>
+            </a:r>
+            <a:r>
+              <a:rPr lang="en-US" dirty="0" err="1">
+                <a:latin typeface="Menlo" panose="020B0609030804020204" pitchFamily="49" charset="0"/>
+                <a:ea typeface="Menlo" panose="020B0609030804020204" pitchFamily="49" charset="0"/>
+                <a:cs typeface="Menlo" panose="020B0609030804020204" pitchFamily="49" charset="0"/>
+              </a:rPr>
+              <a:t>coodinates</a:t>
+            </a:r>
+            <a:r>
+              <a:rPr lang="en-US" dirty="0">
+                <a:latin typeface="Menlo" panose="020B0609030804020204" pitchFamily="49" charset="0"/>
+                <a:ea typeface="Menlo" panose="020B0609030804020204" pitchFamily="49" charset="0"/>
+                <a:cs typeface="Menlo" panose="020B0609030804020204" pitchFamily="49" charset="0"/>
+              </a:rPr>
+              <a:t> of second point: "))</a:t>
+            </a:r>
+          </a:p>
+          <a:p>
+            <a:r>
+              <a:rPr lang="en-US" dirty="0">
+                <a:latin typeface="Menlo" panose="020B0609030804020204" pitchFamily="49" charset="0"/>
+                <a:ea typeface="Menlo" panose="020B0609030804020204" pitchFamily="49" charset="0"/>
+                <a:cs typeface="Menlo" panose="020B0609030804020204" pitchFamily="49" charset="0"/>
+              </a:rPr>
+              <a:t>  </a:t>
+            </a:r>
+          </a:p>
+          <a:p>
+            <a:r>
+              <a:rPr lang="en-US" dirty="0">
+                <a:latin typeface="Menlo" panose="020B0609030804020204" pitchFamily="49" charset="0"/>
+                <a:ea typeface="Menlo" panose="020B0609030804020204" pitchFamily="49" charset="0"/>
+                <a:cs typeface="Menlo" panose="020B0609030804020204" pitchFamily="49" charset="0"/>
+              </a:rPr>
+              <a:t>    slope=(y2-y1)/(x2-x1)</a:t>
+            </a:r>
+          </a:p>
+          <a:p>
+            <a:r>
+              <a:rPr lang="en-US" dirty="0">
+                <a:latin typeface="Menlo" panose="020B0609030804020204" pitchFamily="49" charset="0"/>
+                <a:ea typeface="Menlo" panose="020B0609030804020204" pitchFamily="49" charset="0"/>
+                <a:cs typeface="Menlo" panose="020B0609030804020204" pitchFamily="49" charset="0"/>
+              </a:rPr>
+              <a:t>    distance=</a:t>
+            </a:r>
+            <a:r>
+              <a:rPr lang="en-US" dirty="0" err="1">
+                <a:latin typeface="Menlo" panose="020B0609030804020204" pitchFamily="49" charset="0"/>
+                <a:ea typeface="Menlo" panose="020B0609030804020204" pitchFamily="49" charset="0"/>
+                <a:cs typeface="Menlo" panose="020B0609030804020204" pitchFamily="49" charset="0"/>
+              </a:rPr>
+              <a:t>math.sqrt</a:t>
+            </a:r>
+            <a:r>
+              <a:rPr lang="en-US" dirty="0">
+                <a:latin typeface="Menlo" panose="020B0609030804020204" pitchFamily="49" charset="0"/>
+                <a:ea typeface="Menlo" panose="020B0609030804020204" pitchFamily="49" charset="0"/>
+                <a:cs typeface="Menlo" panose="020B0609030804020204" pitchFamily="49" charset="0"/>
+              </a:rPr>
+              <a:t>((x2-x1)**2+(y2-y1)**2)</a:t>
+            </a:r>
+          </a:p>
+          <a:p>
+            <a:r>
+              <a:rPr lang="en-US" dirty="0">
+                <a:latin typeface="Menlo" panose="020B0609030804020204" pitchFamily="49" charset="0"/>
+                <a:ea typeface="Menlo" panose="020B0609030804020204" pitchFamily="49" charset="0"/>
+                <a:cs typeface="Menlo" panose="020B0609030804020204" pitchFamily="49" charset="0"/>
+              </a:rPr>
+              <a:t>    print("The slope of the line is: ",slope)</a:t>
+            </a:r>
+          </a:p>
+          <a:p>
+            <a:r>
+              <a:rPr lang="en-US" dirty="0">
+                <a:latin typeface="Menlo" panose="020B0609030804020204" pitchFamily="49" charset="0"/>
+                <a:ea typeface="Menlo" panose="020B0609030804020204" pitchFamily="49" charset="0"/>
+                <a:cs typeface="Menlo" panose="020B0609030804020204" pitchFamily="49" charset="0"/>
+              </a:rPr>
+              <a:t>    print("The distance between the two points is: ",distance)</a:t>
+            </a:r>
+          </a:p>
+          <a:p>
+            <a:r>
+              <a:rPr lang="en-US" dirty="0">
+                <a:latin typeface="Menlo" panose="020B0609030804020204" pitchFamily="49" charset="0"/>
+                <a:ea typeface="Menlo" panose="020B0609030804020204" pitchFamily="49" charset="0"/>
+                <a:cs typeface="Menlo" panose="020B0609030804020204" pitchFamily="49" charset="0"/>
+              </a:rPr>
+              <a:t>s1()</a:t>
             </a:r>
           </a:p>
         </p:txBody>
@@ -25130,7 +25008,7 @@
     </p:spTree>
     <p:extLst>
       <p:ext uri="{BB962C8B-B14F-4D97-AF65-F5344CB8AC3E}">
-        <p14:creationId xmlns:p14="http://schemas.microsoft.com/office/powerpoint/2010/main" val="3843654981"/>
+        <p14:creationId xmlns:p14="http://schemas.microsoft.com/office/powerpoint/2010/main" val="3512527947"/>
       </p:ext>
     </p:extLst>
   </p:cSld>
@@ -25140,7 +25018,338 @@
 </p:sld>
 </file>
 
-<file path=ppt/slides/slide31.xml><?xml version="1.0" encoding="utf-8"?>
+<file path=ppt/slides/slide32.xml><?xml version="1.0" encoding="utf-8"?>
+<p:sld xmlns:a="http://schemas.openxmlformats.org/drawingml/2006/main" xmlns:r="http://schemas.openxmlformats.org/officeDocument/2006/relationships" xmlns:p="http://schemas.openxmlformats.org/presentationml/2006/main">
+  <p:cSld>
+    <p:spTree>
+      <p:nvGrpSpPr>
+        <p:cNvPr id="1" name=""/>
+        <p:cNvGrpSpPr/>
+        <p:nvPr/>
+      </p:nvGrpSpPr>
+      <p:grpSpPr>
+        <a:xfrm>
+          <a:off x="0" y="0"/>
+          <a:ext cx="0" cy="0"/>
+          <a:chOff x="0" y="0"/>
+          <a:chExt cx="0" cy="0"/>
+        </a:xfrm>
+      </p:grpSpPr>
+      <p:sp>
+        <p:nvSpPr>
+          <p:cNvPr id="2" name="标题 1">
+            <a:extLst>
+              <a:ext uri="{FF2B5EF4-FFF2-40B4-BE49-F238E27FC236}">
+                <a16:creationId xmlns:a16="http://schemas.microsoft.com/office/drawing/2014/main" id="{4E524DF1-1BD4-1888-84D2-80DD7537E5AA}"/>
+              </a:ext>
+            </a:extLst>
+          </p:cNvPr>
+          <p:cNvSpPr>
+            <a:spLocks noGrp="1"/>
+          </p:cNvSpPr>
+          <p:nvPr>
+            <p:ph type="title"/>
+          </p:nvPr>
+        </p:nvSpPr>
+        <p:spPr/>
+        <p:txBody>
+          <a:bodyPr/>
+          <a:lstStyle/>
+          <a:p>
+            <a:endParaRPr kumimoji="1" lang="zh-CN" altLang="en-US"/>
+          </a:p>
+        </p:txBody>
+      </p:sp>
+      <p:sp>
+        <p:nvSpPr>
+          <p:cNvPr id="3" name="文本占位符 2">
+            <a:extLst>
+              <a:ext uri="{FF2B5EF4-FFF2-40B4-BE49-F238E27FC236}">
+                <a16:creationId xmlns:a16="http://schemas.microsoft.com/office/drawing/2014/main" id="{88AFE225-52A4-50B6-8360-0E29A48A9BEA}"/>
+              </a:ext>
+            </a:extLst>
+          </p:cNvPr>
+          <p:cNvSpPr>
+            <a:spLocks noGrp="1"/>
+          </p:cNvSpPr>
+          <p:nvPr>
+            <p:ph type="body" idx="1"/>
+          </p:nvPr>
+        </p:nvSpPr>
+        <p:spPr/>
+        <p:txBody>
+          <a:bodyPr/>
+          <a:lstStyle/>
+          <a:p>
+            <a:pPr marL="152396" indent="0">
+              <a:buNone/>
+            </a:pPr>
+            <a:r>
+              <a:rPr lang="en-US" altLang="zh-CN" sz="2400" dirty="0">
+                <a:solidFill>
+                  <a:schemeClr val="tx1"/>
+                </a:solidFill>
+                <a:effectLst/>
+              </a:rPr>
+              <a:t>In </a:t>
+            </a:r>
+            <a:r>
+              <a:rPr lang="en-US" altLang="zh-CN" sz="2400" u="none" strike="noStrike" dirty="0">
+                <a:solidFill>
+                  <a:schemeClr val="tx1"/>
+                </a:solidFill>
+                <a:effectLst/>
+                <a:hlinkClick r:id="rId2">
+                  <a:extLst>
+                    <a:ext uri="{A12FA001-AC4F-418D-AE19-62706E023703}">
+                      <ahyp:hlinkClr xmlns:ahyp="http://schemas.microsoft.com/office/drawing/2018/hyperlinkcolor" val="tx"/>
+                    </a:ext>
+                  </a:extLst>
+                </a:hlinkClick>
+              </a:rPr>
+              <a:t>Solve Equation</a:t>
+            </a:r>
+            <a:r>
+              <a:rPr lang="en-US" altLang="zh-CN" sz="2400" dirty="0">
+                <a:solidFill>
+                  <a:schemeClr val="tx1"/>
+                </a:solidFill>
+                <a:effectLst/>
+              </a:rPr>
+              <a:t>, it is not required to check the delta, as well as the first coefficient. Modify the program so that if could print the correct output even if the a==0, or delta&lt;0.</a:t>
+            </a:r>
+            <a:br>
+              <a:rPr lang="en-US" altLang="zh-CN" sz="2400" dirty="0">
+                <a:solidFill>
+                  <a:schemeClr val="tx1"/>
+                </a:solidFill>
+              </a:rPr>
+            </a:br>
+            <a:endParaRPr kumimoji="1" lang="zh-CN" altLang="en-US" sz="2400" dirty="0">
+              <a:solidFill>
+                <a:schemeClr val="tx1"/>
+              </a:solidFill>
+            </a:endParaRPr>
+          </a:p>
+        </p:txBody>
+      </p:sp>
+    </p:spTree>
+    <p:extLst>
+      <p:ext uri="{BB962C8B-B14F-4D97-AF65-F5344CB8AC3E}">
+        <p14:creationId xmlns:p14="http://schemas.microsoft.com/office/powerpoint/2010/main" val="366008815"/>
+      </p:ext>
+    </p:extLst>
+  </p:cSld>
+  <p:clrMapOvr>
+    <a:masterClrMapping/>
+  </p:clrMapOvr>
+</p:sld>
+</file>
+
+<file path=ppt/slides/slide33.xml><?xml version="1.0" encoding="utf-8"?>
+<p:sld xmlns:a="http://schemas.openxmlformats.org/drawingml/2006/main" xmlns:r="http://schemas.openxmlformats.org/officeDocument/2006/relationships" xmlns:p="http://schemas.openxmlformats.org/presentationml/2006/main">
+  <p:cSld>
+    <p:spTree>
+      <p:nvGrpSpPr>
+        <p:cNvPr id="1" name=""/>
+        <p:cNvGrpSpPr/>
+        <p:nvPr/>
+      </p:nvGrpSpPr>
+      <p:grpSpPr>
+        <a:xfrm>
+          <a:off x="0" y="0"/>
+          <a:ext cx="0" cy="0"/>
+          <a:chOff x="0" y="0"/>
+          <a:chExt cx="0" cy="0"/>
+        </a:xfrm>
+      </p:grpSpPr>
+      <p:sp>
+        <p:nvSpPr>
+          <p:cNvPr id="2" name="标题 1">
+            <a:extLst>
+              <a:ext uri="{FF2B5EF4-FFF2-40B4-BE49-F238E27FC236}">
+                <a16:creationId xmlns:a16="http://schemas.microsoft.com/office/drawing/2014/main" id="{35CAB827-6DC4-B724-2683-88BF219E9FA1}"/>
+              </a:ext>
+            </a:extLst>
+          </p:cNvPr>
+          <p:cNvSpPr>
+            <a:spLocks noGrp="1"/>
+          </p:cNvSpPr>
+          <p:nvPr>
+            <p:ph type="title"/>
+          </p:nvPr>
+        </p:nvSpPr>
+        <p:spPr/>
+        <p:txBody>
+          <a:bodyPr/>
+          <a:lstStyle/>
+          <a:p>
+            <a:endParaRPr kumimoji="1" lang="zh-CN" altLang="en-US"/>
+          </a:p>
+        </p:txBody>
+      </p:sp>
+      <p:sp>
+        <p:nvSpPr>
+          <p:cNvPr id="3" name="文本占位符 2">
+            <a:extLst>
+              <a:ext uri="{FF2B5EF4-FFF2-40B4-BE49-F238E27FC236}">
+                <a16:creationId xmlns:a16="http://schemas.microsoft.com/office/drawing/2014/main" id="{13ED30A4-B205-CB8B-B2C2-E053309C3D1E}"/>
+              </a:ext>
+            </a:extLst>
+          </p:cNvPr>
+          <p:cNvSpPr>
+            <a:spLocks noGrp="1"/>
+          </p:cNvSpPr>
+          <p:nvPr>
+            <p:ph type="body" idx="1"/>
+          </p:nvPr>
+        </p:nvSpPr>
+        <p:spPr/>
+        <p:txBody>
+          <a:bodyPr/>
+          <a:lstStyle/>
+          <a:p>
+            <a:pPr marL="152396" indent="0">
+              <a:buNone/>
+            </a:pPr>
+            <a:r>
+              <a:rPr lang="en-US" altLang="zh-CN" b="1" dirty="0">
+                <a:solidFill>
+                  <a:schemeClr val="tx1"/>
+                </a:solidFill>
+                <a:effectLst/>
+                <a:latin typeface="var(--pst-font-family-heading)"/>
+              </a:rPr>
+              <a:t>Narcissistic Number</a:t>
+            </a:r>
+          </a:p>
+          <a:p>
+            <a:pPr marL="152396" indent="0">
+              <a:buNone/>
+            </a:pPr>
+            <a:r>
+              <a:rPr lang="en-US" altLang="zh-CN" b="1" dirty="0">
+                <a:solidFill>
+                  <a:schemeClr val="tx1"/>
+                </a:solidFill>
+                <a:effectLst/>
+              </a:rPr>
+              <a:t>Narcissistic Numbers</a:t>
+            </a:r>
+            <a:r>
+              <a:rPr lang="en-US" altLang="zh-CN" dirty="0">
+                <a:solidFill>
+                  <a:schemeClr val="tx1"/>
+                </a:solidFill>
+                <a:effectLst/>
+              </a:rPr>
+              <a:t> are defined as follows: An n-digit number is narcissistic if the sum of its digits to the nth power equal the original number. For example with 3 digits, say I choose the number 153: 153=13+53+33. So 153 is a Narcissistic Number.</a:t>
+            </a:r>
+          </a:p>
+          <a:p>
+            <a:pPr marL="152396" indent="0">
+              <a:buNone/>
+            </a:pPr>
+            <a:r>
+              <a:rPr lang="en-US" altLang="zh-CN" dirty="0">
+                <a:solidFill>
+                  <a:schemeClr val="tx1"/>
+                </a:solidFill>
+                <a:effectLst/>
+              </a:rPr>
+              <a:t>Write a function called check(), to determine if a 3-digit number which user input is a Narcissistic Number. For example:</a:t>
+            </a:r>
+          </a:p>
+          <a:p>
+            <a:pPr>
+              <a:buFont typeface="Arial" panose="020B0604020202020204" pitchFamily="34" charset="0"/>
+              <a:buChar char="•"/>
+            </a:pPr>
+            <a:r>
+              <a:rPr lang="en-US" altLang="zh-CN" dirty="0">
+                <a:solidFill>
+                  <a:schemeClr val="tx1"/>
+                </a:solidFill>
+                <a:effectLst/>
+              </a:rPr>
+              <a:t>input: 153</a:t>
+            </a:r>
+          </a:p>
+          <a:p>
+            <a:pPr>
+              <a:buFont typeface="Arial" panose="020B0604020202020204" pitchFamily="34" charset="0"/>
+              <a:buChar char="•"/>
+            </a:pPr>
+            <a:r>
+              <a:rPr lang="en-US" altLang="zh-CN" dirty="0">
+                <a:solidFill>
+                  <a:schemeClr val="tx1"/>
+                </a:solidFill>
+                <a:effectLst/>
+              </a:rPr>
+              <a:t>output: “153 is a Narcissistic Number”</a:t>
+            </a:r>
+          </a:p>
+          <a:p>
+            <a:pPr>
+              <a:buFont typeface="Arial" panose="020B0604020202020204" pitchFamily="34" charset="0"/>
+              <a:buChar char="•"/>
+            </a:pPr>
+            <a:r>
+              <a:rPr lang="en-US" altLang="zh-CN" dirty="0">
+                <a:solidFill>
+                  <a:schemeClr val="tx1"/>
+                </a:solidFill>
+                <a:effectLst/>
+              </a:rPr>
+              <a:t>input: 165</a:t>
+            </a:r>
+          </a:p>
+          <a:p>
+            <a:pPr>
+              <a:buFont typeface="Arial" panose="020B0604020202020204" pitchFamily="34" charset="0"/>
+              <a:buChar char="•"/>
+            </a:pPr>
+            <a:r>
+              <a:rPr lang="en-US" altLang="zh-CN" dirty="0">
+                <a:solidFill>
+                  <a:schemeClr val="tx1"/>
+                </a:solidFill>
+                <a:effectLst/>
+              </a:rPr>
+              <a:t>output: “165 is not a Narcissistic Number”</a:t>
+            </a:r>
+          </a:p>
+          <a:p>
+            <a:br>
+              <a:rPr lang="en-US" altLang="zh-CN" dirty="0">
+                <a:solidFill>
+                  <a:schemeClr val="tx1"/>
+                </a:solidFill>
+              </a:rPr>
+            </a:br>
+            <a:endParaRPr kumimoji="1" lang="zh-CN" altLang="en-US" dirty="0">
+              <a:solidFill>
+                <a:schemeClr val="tx1"/>
+              </a:solidFill>
+            </a:endParaRPr>
+          </a:p>
+        </p:txBody>
+      </p:sp>
+    </p:spTree>
+    <p:extLst>
+      <p:ext uri="{BB962C8B-B14F-4D97-AF65-F5344CB8AC3E}">
+        <p14:creationId xmlns:p14="http://schemas.microsoft.com/office/powerpoint/2010/main" val="138421020"/>
+      </p:ext>
+    </p:extLst>
+  </p:cSld>
+  <p:clrMapOvr>
+    <a:masterClrMapping/>
+  </p:clrMapOvr>
+</p:sld>
+</file>
+
+<file path=ppt/slides/slide34.xml><?xml version="1.0" encoding="utf-8"?>
 <p:sld xmlns:a="http://schemas.openxmlformats.org/drawingml/2006/main" xmlns:r="http://schemas.openxmlformats.org/officeDocument/2006/relationships" xmlns:p="http://schemas.openxmlformats.org/presentationml/2006/main">
   <p:cSld>
     <p:spTree>
@@ -25442,7 +25651,15 @@
             </a:r>
             <a:r>
               <a:rPr lang="zh-CN" altLang="en-US" sz="2400"/>
-              <a:t>：写代码的时候怎么表示缩进？</a:t>
+              <a:t>：什么是缩进？</a:t>
+            </a:r>
+            <a:r>
+              <a:rPr lang="en-US" altLang="zh-CN" sz="2400"/>
+              <a:t> Python</a:t>
+            </a:r>
+            <a:r>
+              <a:rPr lang="zh-CN" altLang="en-US" sz="2400"/>
+              <a:t>为什么要缩进？</a:t>
             </a:r>
             <a:endParaRPr lang="en-US" sz="2400"/>
           </a:p>
@@ -25450,10 +25667,10 @@
       </p:sp>
       <p:sp>
         <p:nvSpPr>
-          <p:cNvPr id="3" name="Title 1">
+          <p:cNvPr id="2" name="Title 1">
             <a:extLst>
               <a:ext uri="{FF2B5EF4-FFF2-40B4-BE49-F238E27FC236}">
-                <a16:creationId xmlns:a16="http://schemas.microsoft.com/office/drawing/2014/main" id="{D5DD86B5-2CA7-83F1-E676-431DDBB1CBE2}"/>
+                <a16:creationId xmlns:a16="http://schemas.microsoft.com/office/drawing/2014/main" id="{088AF81A-D91D-B347-8E7E-0B52261EEA6F}"/>
               </a:ext>
             </a:extLst>
           </p:cNvPr>
@@ -25464,7 +25681,7 @@
         </p:nvSpPr>
         <p:spPr>
           <a:xfrm>
-            <a:off x="831200" y="1876609"/>
+            <a:off x="831200" y="1776793"/>
             <a:ext cx="11360800" cy="763600"/>
           </a:xfrm>
           <a:prstGeom prst="rect">
@@ -25727,104 +25944,14 @@
             </a:lvl9pPr>
           </a:lstStyle>
           <a:p>
-            <a:r>
-              <a:rPr lang="zh-CN" altLang="en-US" sz="2400"/>
-              <a:t>答：</a:t>
-            </a:r>
-            <a:r>
-              <a:rPr lang="en-US" altLang="zh-CN" sz="2400"/>
-              <a:t>Python</a:t>
-            </a:r>
-            <a:r>
-              <a:rPr lang="zh-CN" altLang="en-US" sz="2400"/>
-              <a:t>官方并没有对缩进长度做统一要求。但是一个约定俗称的规则是缩进占</a:t>
-            </a:r>
-            <a:r>
-              <a:rPr lang="en-US" altLang="zh-CN" sz="2400"/>
-              <a:t>4</a:t>
-            </a:r>
-            <a:r>
-              <a:rPr lang="zh-CN" altLang="en-US" sz="2400"/>
-              <a:t>个空格。</a:t>
-            </a:r>
-            <a:endParaRPr lang="en-US" altLang="zh-CN" sz="2400"/>
-          </a:p>
-          <a:p>
-            <a:endParaRPr lang="en-US" altLang="zh-CN" sz="2400"/>
-          </a:p>
-          <a:p>
-            <a:r>
-              <a:rPr lang="zh-CN" altLang="en-US" sz="2400"/>
-              <a:t>我的个人的习惯是在编程工具中将</a:t>
-            </a:r>
-            <a:r>
-              <a:rPr lang="en-US" altLang="zh-CN" sz="2400"/>
-              <a:t>tab</a:t>
-            </a:r>
-            <a:r>
-              <a:rPr lang="zh-CN" altLang="en-US" sz="2400"/>
-              <a:t>键设置为</a:t>
-            </a:r>
-            <a:r>
-              <a:rPr lang="en-US" altLang="zh-CN" sz="2400"/>
-              <a:t>4</a:t>
-            </a:r>
-            <a:r>
-              <a:rPr lang="zh-CN" altLang="en-US" sz="2400"/>
-              <a:t>个空格，然后统一使用</a:t>
-            </a:r>
-            <a:r>
-              <a:rPr lang="en-US" altLang="zh-CN" sz="2400"/>
-              <a:t>tab</a:t>
-            </a:r>
-            <a:r>
-              <a:rPr lang="zh-CN" altLang="en-US" sz="2400"/>
-              <a:t>键来表示缩进。这样做的好处是不用每次都敲击</a:t>
-            </a:r>
-            <a:r>
-              <a:rPr lang="en-US" altLang="zh-CN" sz="2400"/>
-              <a:t>4</a:t>
-            </a:r>
-            <a:r>
-              <a:rPr lang="zh-CN" altLang="en-US" sz="2400"/>
-              <a:t>个空格，并且可以保证所有缩进都具有相同的长度。在</a:t>
-            </a:r>
-            <a:r>
-              <a:rPr lang="en-US" altLang="zh-CN" sz="2400"/>
-              <a:t>OnlineGDB</a:t>
-            </a:r>
-            <a:r>
-              <a:rPr lang="zh-CN" altLang="en-US" sz="2400"/>
-              <a:t>中直接使用</a:t>
-            </a:r>
-            <a:r>
-              <a:rPr lang="en-US" altLang="zh-CN" sz="2400"/>
-              <a:t>tab</a:t>
-            </a:r>
-            <a:r>
-              <a:rPr lang="zh-CN" altLang="en-US" sz="2400"/>
-              <a:t>键即可。</a:t>
-            </a:r>
-            <a:endParaRPr lang="en-US" altLang="zh-CN" sz="2400"/>
-          </a:p>
-          <a:p>
             <a:endParaRPr lang="zh-CN" altLang="en-US" sz="2400"/>
-          </a:p>
-          <a:p>
-            <a:endParaRPr lang="en-US" altLang="zh-CN" sz="2400"/>
-          </a:p>
-          <a:p>
-            <a:endParaRPr lang="en-US" sz="2400"/>
-          </a:p>
-          <a:p>
-            <a:endParaRPr lang="en-US" sz="2400"/>
           </a:p>
         </p:txBody>
       </p:sp>
     </p:spTree>
     <p:extLst>
       <p:ext uri="{BB962C8B-B14F-4D97-AF65-F5344CB8AC3E}">
-        <p14:creationId xmlns:p14="http://schemas.microsoft.com/office/powerpoint/2010/main" val="985069379"/>
+        <p14:creationId xmlns:p14="http://schemas.microsoft.com/office/powerpoint/2010/main" val="3824107284"/>
       </p:ext>
     </p:extLst>
   </p:cSld>
@@ -25834,7 +25961,7 @@
 </p:sld>
 </file>
 
-<file path=ppt/slides/slide32.xml><?xml version="1.0" encoding="utf-8"?>
+<file path=ppt/slides/slide35.xml><?xml version="1.0" encoding="utf-8"?>
 <p:sld xmlns:a="http://schemas.openxmlformats.org/drawingml/2006/main" xmlns:r="http://schemas.openxmlformats.org/officeDocument/2006/relationships" xmlns:p="http://schemas.openxmlformats.org/presentationml/2006/main">
   <p:cSld>
     <p:spTree>
@@ -26136,6 +26263,1444 @@
             </a:r>
             <a:r>
               <a:rPr lang="zh-CN" altLang="en-US" sz="2400"/>
+              <a:t>：什么是缩进？</a:t>
+            </a:r>
+            <a:r>
+              <a:rPr lang="en-US" altLang="zh-CN" sz="2400"/>
+              <a:t> Python</a:t>
+            </a:r>
+            <a:r>
+              <a:rPr lang="zh-CN" altLang="en-US" sz="2400"/>
+              <a:t>为什么要缩进？</a:t>
+            </a:r>
+            <a:endParaRPr lang="en-US" sz="2400"/>
+          </a:p>
+        </p:txBody>
+      </p:sp>
+      <p:sp>
+        <p:nvSpPr>
+          <p:cNvPr id="3" name="Title 1">
+            <a:extLst>
+              <a:ext uri="{FF2B5EF4-FFF2-40B4-BE49-F238E27FC236}">
+                <a16:creationId xmlns:a16="http://schemas.microsoft.com/office/drawing/2014/main" id="{D5DD86B5-2CA7-83F1-E676-431DDBB1CBE2}"/>
+              </a:ext>
+            </a:extLst>
+          </p:cNvPr>
+          <p:cNvSpPr txBox="1">
+            <a:spLocks/>
+          </p:cNvSpPr>
+          <p:nvPr/>
+        </p:nvSpPr>
+        <p:spPr>
+          <a:xfrm>
+            <a:off x="831200" y="1876609"/>
+            <a:ext cx="11360800" cy="763600"/>
+          </a:xfrm>
+          <a:prstGeom prst="rect">
+            <a:avLst/>
+          </a:prstGeom>
+          <a:noFill/>
+          <a:ln>
+            <a:noFill/>
+          </a:ln>
+        </p:spPr>
+        <p:txBody>
+          <a:bodyPr spcFirstLastPara="1" wrap="square" lIns="121900" tIns="121900" rIns="121900" bIns="121900" anchor="t" anchorCtr="0">
+            <a:noAutofit/>
+          </a:bodyPr>
+          <a:lstStyle>
+            <a:defPPr marR="0" lvl="0" algn="l" rtl="0">
+              <a:lnSpc>
+                <a:spcPct val="100000"/>
+              </a:lnSpc>
+              <a:spcBef>
+                <a:spcPts val="0"/>
+              </a:spcBef>
+              <a:spcAft>
+                <a:spcPts val="0"/>
+              </a:spcAft>
+            </a:defPPr>
+            <a:lvl1pPr marR="0" lvl="0" algn="l" rtl="0">
+              <a:lnSpc>
+                <a:spcPct val="100000"/>
+              </a:lnSpc>
+              <a:spcBef>
+                <a:spcPts val="0"/>
+              </a:spcBef>
+              <a:spcAft>
+                <a:spcPts val="0"/>
+              </a:spcAft>
+              <a:buClr>
+                <a:schemeClr val="dk1"/>
+              </a:buClr>
+              <a:buSzPts val="2800"/>
+              <a:buFont typeface="Arial"/>
+              <a:buNone/>
+              <a:defRPr sz="2800" b="0" i="0" u="none" strike="noStrike" cap="none">
+                <a:solidFill>
+                  <a:schemeClr val="dk1"/>
+                </a:solidFill>
+                <a:latin typeface="Arial"/>
+                <a:ea typeface="Arial"/>
+                <a:cs typeface="Arial"/>
+                <a:sym typeface="Arial"/>
+              </a:defRPr>
+            </a:lvl1pPr>
+            <a:lvl2pPr marR="0" lvl="1" algn="l" rtl="0">
+              <a:lnSpc>
+                <a:spcPct val="100000"/>
+              </a:lnSpc>
+              <a:spcBef>
+                <a:spcPts val="0"/>
+              </a:spcBef>
+              <a:spcAft>
+                <a:spcPts val="0"/>
+              </a:spcAft>
+              <a:buClr>
+                <a:schemeClr val="dk1"/>
+              </a:buClr>
+              <a:buSzPts val="2800"/>
+              <a:buFont typeface="Arial"/>
+              <a:buNone/>
+              <a:defRPr sz="2800" b="0" i="0" u="none" strike="noStrike" cap="none">
+                <a:solidFill>
+                  <a:schemeClr val="dk1"/>
+                </a:solidFill>
+                <a:latin typeface="Arial"/>
+                <a:ea typeface="Arial"/>
+                <a:cs typeface="Arial"/>
+                <a:sym typeface="Arial"/>
+              </a:defRPr>
+            </a:lvl2pPr>
+            <a:lvl3pPr marR="0" lvl="2" algn="l" rtl="0">
+              <a:lnSpc>
+                <a:spcPct val="100000"/>
+              </a:lnSpc>
+              <a:spcBef>
+                <a:spcPts val="0"/>
+              </a:spcBef>
+              <a:spcAft>
+                <a:spcPts val="0"/>
+              </a:spcAft>
+              <a:buClr>
+                <a:schemeClr val="dk1"/>
+              </a:buClr>
+              <a:buSzPts val="2800"/>
+              <a:buFont typeface="Arial"/>
+              <a:buNone/>
+              <a:defRPr sz="2800" b="0" i="0" u="none" strike="noStrike" cap="none">
+                <a:solidFill>
+                  <a:schemeClr val="dk1"/>
+                </a:solidFill>
+                <a:latin typeface="Arial"/>
+                <a:ea typeface="Arial"/>
+                <a:cs typeface="Arial"/>
+                <a:sym typeface="Arial"/>
+              </a:defRPr>
+            </a:lvl3pPr>
+            <a:lvl4pPr marR="0" lvl="3" algn="l" rtl="0">
+              <a:lnSpc>
+                <a:spcPct val="100000"/>
+              </a:lnSpc>
+              <a:spcBef>
+                <a:spcPts val="0"/>
+              </a:spcBef>
+              <a:spcAft>
+                <a:spcPts val="0"/>
+              </a:spcAft>
+              <a:buClr>
+                <a:schemeClr val="dk1"/>
+              </a:buClr>
+              <a:buSzPts val="2800"/>
+              <a:buFont typeface="Arial"/>
+              <a:buNone/>
+              <a:defRPr sz="2800" b="0" i="0" u="none" strike="noStrike" cap="none">
+                <a:solidFill>
+                  <a:schemeClr val="dk1"/>
+                </a:solidFill>
+                <a:latin typeface="Arial"/>
+                <a:ea typeface="Arial"/>
+                <a:cs typeface="Arial"/>
+                <a:sym typeface="Arial"/>
+              </a:defRPr>
+            </a:lvl4pPr>
+            <a:lvl5pPr marR="0" lvl="4" algn="l" rtl="0">
+              <a:lnSpc>
+                <a:spcPct val="100000"/>
+              </a:lnSpc>
+              <a:spcBef>
+                <a:spcPts val="0"/>
+              </a:spcBef>
+              <a:spcAft>
+                <a:spcPts val="0"/>
+              </a:spcAft>
+              <a:buClr>
+                <a:schemeClr val="dk1"/>
+              </a:buClr>
+              <a:buSzPts val="2800"/>
+              <a:buFont typeface="Arial"/>
+              <a:buNone/>
+              <a:defRPr sz="2800" b="0" i="0" u="none" strike="noStrike" cap="none">
+                <a:solidFill>
+                  <a:schemeClr val="dk1"/>
+                </a:solidFill>
+                <a:latin typeface="Arial"/>
+                <a:ea typeface="Arial"/>
+                <a:cs typeface="Arial"/>
+                <a:sym typeface="Arial"/>
+              </a:defRPr>
+            </a:lvl5pPr>
+            <a:lvl6pPr marR="0" lvl="5" algn="l" rtl="0">
+              <a:lnSpc>
+                <a:spcPct val="100000"/>
+              </a:lnSpc>
+              <a:spcBef>
+                <a:spcPts val="0"/>
+              </a:spcBef>
+              <a:spcAft>
+                <a:spcPts val="0"/>
+              </a:spcAft>
+              <a:buClr>
+                <a:schemeClr val="dk1"/>
+              </a:buClr>
+              <a:buSzPts val="2800"/>
+              <a:buFont typeface="Arial"/>
+              <a:buNone/>
+              <a:defRPr sz="2800" b="0" i="0" u="none" strike="noStrike" cap="none">
+                <a:solidFill>
+                  <a:schemeClr val="dk1"/>
+                </a:solidFill>
+                <a:latin typeface="Arial"/>
+                <a:ea typeface="Arial"/>
+                <a:cs typeface="Arial"/>
+                <a:sym typeface="Arial"/>
+              </a:defRPr>
+            </a:lvl6pPr>
+            <a:lvl7pPr marR="0" lvl="6" algn="l" rtl="0">
+              <a:lnSpc>
+                <a:spcPct val="100000"/>
+              </a:lnSpc>
+              <a:spcBef>
+                <a:spcPts val="0"/>
+              </a:spcBef>
+              <a:spcAft>
+                <a:spcPts val="0"/>
+              </a:spcAft>
+              <a:buClr>
+                <a:schemeClr val="dk1"/>
+              </a:buClr>
+              <a:buSzPts val="2800"/>
+              <a:buFont typeface="Arial"/>
+              <a:buNone/>
+              <a:defRPr sz="2800" b="0" i="0" u="none" strike="noStrike" cap="none">
+                <a:solidFill>
+                  <a:schemeClr val="dk1"/>
+                </a:solidFill>
+                <a:latin typeface="Arial"/>
+                <a:ea typeface="Arial"/>
+                <a:cs typeface="Arial"/>
+                <a:sym typeface="Arial"/>
+              </a:defRPr>
+            </a:lvl7pPr>
+            <a:lvl8pPr marR="0" lvl="7" algn="l" rtl="0">
+              <a:lnSpc>
+                <a:spcPct val="100000"/>
+              </a:lnSpc>
+              <a:spcBef>
+                <a:spcPts val="0"/>
+              </a:spcBef>
+              <a:spcAft>
+                <a:spcPts val="0"/>
+              </a:spcAft>
+              <a:buClr>
+                <a:schemeClr val="dk1"/>
+              </a:buClr>
+              <a:buSzPts val="2800"/>
+              <a:buFont typeface="Arial"/>
+              <a:buNone/>
+              <a:defRPr sz="2800" b="0" i="0" u="none" strike="noStrike" cap="none">
+                <a:solidFill>
+                  <a:schemeClr val="dk1"/>
+                </a:solidFill>
+                <a:latin typeface="Arial"/>
+                <a:ea typeface="Arial"/>
+                <a:cs typeface="Arial"/>
+                <a:sym typeface="Arial"/>
+              </a:defRPr>
+            </a:lvl8pPr>
+            <a:lvl9pPr marR="0" lvl="8" algn="l" rtl="0">
+              <a:lnSpc>
+                <a:spcPct val="100000"/>
+              </a:lnSpc>
+              <a:spcBef>
+                <a:spcPts val="0"/>
+              </a:spcBef>
+              <a:spcAft>
+                <a:spcPts val="0"/>
+              </a:spcAft>
+              <a:buClr>
+                <a:schemeClr val="dk1"/>
+              </a:buClr>
+              <a:buSzPts val="2800"/>
+              <a:buFont typeface="Arial"/>
+              <a:buNone/>
+              <a:defRPr sz="2800" b="0" i="0" u="none" strike="noStrike" cap="none">
+                <a:solidFill>
+                  <a:schemeClr val="dk1"/>
+                </a:solidFill>
+                <a:latin typeface="Arial"/>
+                <a:ea typeface="Arial"/>
+                <a:cs typeface="Arial"/>
+                <a:sym typeface="Arial"/>
+              </a:defRPr>
+            </a:lvl9pPr>
+          </a:lstStyle>
+          <a:p>
+            <a:r>
+              <a:rPr lang="zh-CN" altLang="en-US" sz="2400"/>
+              <a:t>答：缩进是为了区分代码层次，例如</a:t>
+            </a:r>
+            <a:r>
+              <a:rPr lang="en-US" altLang="zh-CN" sz="2400"/>
+              <a:t>if</a:t>
+            </a:r>
+            <a:r>
+              <a:rPr lang="zh-CN" altLang="en-US" sz="2400"/>
+              <a:t>中的执行语句就是</a:t>
+            </a:r>
+            <a:r>
+              <a:rPr lang="en-US" altLang="zh-CN" sz="2400"/>
+              <a:t>if</a:t>
+            </a:r>
+            <a:r>
+              <a:rPr lang="zh-CN" altLang="en-US" sz="2400"/>
+              <a:t>结构的一部分，它与</a:t>
+            </a:r>
+            <a:r>
+              <a:rPr lang="en-US" altLang="zh-CN" sz="2400"/>
+              <a:t>if</a:t>
+            </a:r>
+            <a:r>
+              <a:rPr lang="zh-CN" altLang="en-US" sz="2400"/>
+              <a:t>结构外的代码处于不同层次。</a:t>
+            </a:r>
+            <a:endParaRPr lang="en-US" altLang="zh-CN" sz="2400"/>
+          </a:p>
+          <a:p>
+            <a:endParaRPr lang="en-US" sz="2400"/>
+          </a:p>
+          <a:p>
+            <a:r>
+              <a:rPr lang="zh-CN" altLang="en-US" sz="2400"/>
+              <a:t>其他语言中通常使用</a:t>
+            </a:r>
+            <a:r>
+              <a:rPr lang="en-US" altLang="zh-CN" sz="2400"/>
+              <a:t>{ }</a:t>
+            </a:r>
+            <a:r>
+              <a:rPr lang="zh-CN" altLang="en-US" sz="2400"/>
+              <a:t>来区分代码层次，</a:t>
+            </a:r>
+            <a:r>
+              <a:rPr lang="en-US" altLang="zh-CN" sz="2400"/>
+              <a:t>Python</a:t>
+            </a:r>
+            <a:r>
+              <a:rPr lang="zh-CN" altLang="en-US" sz="2400"/>
+              <a:t>中不使用</a:t>
+            </a:r>
+            <a:r>
+              <a:rPr lang="en-US" altLang="zh-CN" sz="2400"/>
+              <a:t>{  }</a:t>
+            </a:r>
+            <a:r>
+              <a:rPr lang="zh-CN" altLang="en-US" sz="2400"/>
+              <a:t>，而是用缩进来区分。</a:t>
+            </a:r>
+            <a:endParaRPr lang="en-US" altLang="zh-CN" sz="2400"/>
+          </a:p>
+          <a:p>
+            <a:endParaRPr lang="en-US" sz="2400"/>
+          </a:p>
+          <a:p>
+            <a:endParaRPr lang="en-US" sz="2400"/>
+          </a:p>
+        </p:txBody>
+      </p:sp>
+      <p:sp>
+        <p:nvSpPr>
+          <p:cNvPr id="4" name="TextBox 3">
+            <a:extLst>
+              <a:ext uri="{FF2B5EF4-FFF2-40B4-BE49-F238E27FC236}">
+                <a16:creationId xmlns:a16="http://schemas.microsoft.com/office/drawing/2014/main" id="{4F739231-7DA6-ACC8-1F43-F3491C30C520}"/>
+              </a:ext>
+            </a:extLst>
+          </p:cNvPr>
+          <p:cNvSpPr txBox="1"/>
+          <p:nvPr/>
+        </p:nvSpPr>
+        <p:spPr>
+          <a:xfrm>
+            <a:off x="831200" y="3979093"/>
+            <a:ext cx="9174949" cy="1200329"/>
+          </a:xfrm>
+          <a:prstGeom prst="rect">
+            <a:avLst/>
+          </a:prstGeom>
+          <a:noFill/>
+          <a:ln w="19050">
+            <a:solidFill>
+              <a:schemeClr val="tx1"/>
+            </a:solidFill>
+          </a:ln>
+        </p:spPr>
+        <p:txBody>
+          <a:bodyPr wrap="square">
+            <a:spAutoFit/>
+          </a:bodyPr>
+          <a:lstStyle/>
+          <a:p>
+            <a:r>
+              <a:rPr lang="en-US" sz="2400">
+                <a:latin typeface="Menlo" panose="020B0609030804020204" pitchFamily="49" charset="0"/>
+                <a:ea typeface="Menlo" panose="020B0609030804020204" pitchFamily="49" charset="0"/>
+                <a:cs typeface="Menlo" panose="020B0609030804020204" pitchFamily="49" charset="0"/>
+              </a:rPr>
+              <a:t>s = “Morning”		#level 1</a:t>
+            </a:r>
+          </a:p>
+          <a:p>
+            <a:r>
+              <a:rPr lang="en-US" sz="2400">
+                <a:latin typeface="Menlo" panose="020B0609030804020204" pitchFamily="49" charset="0"/>
+                <a:ea typeface="Menlo" panose="020B0609030804020204" pitchFamily="49" charset="0"/>
+                <a:cs typeface="Menlo" panose="020B0609030804020204" pitchFamily="49" charset="0"/>
+              </a:rPr>
+              <a:t>if(len(s) &gt; 5):</a:t>
+            </a:r>
+          </a:p>
+          <a:p>
+            <a:r>
+              <a:rPr lang="en-US" sz="2400">
+                <a:latin typeface="Menlo" panose="020B0609030804020204" pitchFamily="49" charset="0"/>
+                <a:ea typeface="Menlo" panose="020B0609030804020204" pitchFamily="49" charset="0"/>
+                <a:cs typeface="Menlo" panose="020B0609030804020204" pitchFamily="49" charset="0"/>
+              </a:rPr>
+              <a:t>	s = s[0:5]	#level 2</a:t>
+            </a:r>
+          </a:p>
+        </p:txBody>
+      </p:sp>
+    </p:spTree>
+    <p:extLst>
+      <p:ext uri="{BB962C8B-B14F-4D97-AF65-F5344CB8AC3E}">
+        <p14:creationId xmlns:p14="http://schemas.microsoft.com/office/powerpoint/2010/main" val="3843654981"/>
+      </p:ext>
+    </p:extLst>
+  </p:cSld>
+  <p:clrMapOvr>
+    <a:masterClrMapping/>
+  </p:clrMapOvr>
+</p:sld>
+</file>
+
+<file path=ppt/slides/slide36.xml><?xml version="1.0" encoding="utf-8"?>
+<p:sld xmlns:a="http://schemas.openxmlformats.org/drawingml/2006/main" xmlns:r="http://schemas.openxmlformats.org/officeDocument/2006/relationships" xmlns:p="http://schemas.openxmlformats.org/presentationml/2006/main">
+  <p:cSld>
+    <p:spTree>
+      <p:nvGrpSpPr>
+        <p:cNvPr id="1" name=""/>
+        <p:cNvGrpSpPr/>
+        <p:nvPr/>
+      </p:nvGrpSpPr>
+      <p:grpSpPr>
+        <a:xfrm>
+          <a:off x="0" y="0"/>
+          <a:ext cx="0" cy="0"/>
+          <a:chOff x="0" y="0"/>
+          <a:chExt cx="0" cy="0"/>
+        </a:xfrm>
+      </p:grpSpPr>
+      <p:sp>
+        <p:nvSpPr>
+          <p:cNvPr id="7" name="Title 1">
+            <a:extLst>
+              <a:ext uri="{FF2B5EF4-FFF2-40B4-BE49-F238E27FC236}">
+                <a16:creationId xmlns:a16="http://schemas.microsoft.com/office/drawing/2014/main" id="{7CEC02CD-03FA-3747-875D-B99E2D4684EC}"/>
+              </a:ext>
+            </a:extLst>
+          </p:cNvPr>
+          <p:cNvSpPr txBox="1">
+            <a:spLocks/>
+          </p:cNvSpPr>
+          <p:nvPr/>
+        </p:nvSpPr>
+        <p:spPr>
+          <a:xfrm>
+            <a:off x="831200" y="888186"/>
+            <a:ext cx="11360800" cy="763600"/>
+          </a:xfrm>
+          <a:prstGeom prst="rect">
+            <a:avLst/>
+          </a:prstGeom>
+          <a:noFill/>
+          <a:ln>
+            <a:noFill/>
+          </a:ln>
+        </p:spPr>
+        <p:txBody>
+          <a:bodyPr spcFirstLastPara="1" wrap="square" lIns="121900" tIns="121900" rIns="121900" bIns="121900" anchor="t" anchorCtr="0">
+            <a:noAutofit/>
+          </a:bodyPr>
+          <a:lstStyle>
+            <a:defPPr marR="0" lvl="0" algn="l" rtl="0">
+              <a:lnSpc>
+                <a:spcPct val="100000"/>
+              </a:lnSpc>
+              <a:spcBef>
+                <a:spcPts val="0"/>
+              </a:spcBef>
+              <a:spcAft>
+                <a:spcPts val="0"/>
+              </a:spcAft>
+            </a:defPPr>
+            <a:lvl1pPr marR="0" lvl="0" algn="l" rtl="0">
+              <a:lnSpc>
+                <a:spcPct val="100000"/>
+              </a:lnSpc>
+              <a:spcBef>
+                <a:spcPts val="0"/>
+              </a:spcBef>
+              <a:spcAft>
+                <a:spcPts val="0"/>
+              </a:spcAft>
+              <a:buClr>
+                <a:schemeClr val="dk1"/>
+              </a:buClr>
+              <a:buSzPts val="2800"/>
+              <a:buFont typeface="Arial"/>
+              <a:buNone/>
+              <a:defRPr sz="2800" b="0" i="0" u="none" strike="noStrike" cap="none">
+                <a:solidFill>
+                  <a:schemeClr val="dk1"/>
+                </a:solidFill>
+                <a:latin typeface="Arial"/>
+                <a:ea typeface="Arial"/>
+                <a:cs typeface="Arial"/>
+                <a:sym typeface="Arial"/>
+              </a:defRPr>
+            </a:lvl1pPr>
+            <a:lvl2pPr marR="0" lvl="1" algn="l" rtl="0">
+              <a:lnSpc>
+                <a:spcPct val="100000"/>
+              </a:lnSpc>
+              <a:spcBef>
+                <a:spcPts val="0"/>
+              </a:spcBef>
+              <a:spcAft>
+                <a:spcPts val="0"/>
+              </a:spcAft>
+              <a:buClr>
+                <a:schemeClr val="dk1"/>
+              </a:buClr>
+              <a:buSzPts val="2800"/>
+              <a:buFont typeface="Arial"/>
+              <a:buNone/>
+              <a:defRPr sz="2800" b="0" i="0" u="none" strike="noStrike" cap="none">
+                <a:solidFill>
+                  <a:schemeClr val="dk1"/>
+                </a:solidFill>
+                <a:latin typeface="Arial"/>
+                <a:ea typeface="Arial"/>
+                <a:cs typeface="Arial"/>
+                <a:sym typeface="Arial"/>
+              </a:defRPr>
+            </a:lvl2pPr>
+            <a:lvl3pPr marR="0" lvl="2" algn="l" rtl="0">
+              <a:lnSpc>
+                <a:spcPct val="100000"/>
+              </a:lnSpc>
+              <a:spcBef>
+                <a:spcPts val="0"/>
+              </a:spcBef>
+              <a:spcAft>
+                <a:spcPts val="0"/>
+              </a:spcAft>
+              <a:buClr>
+                <a:schemeClr val="dk1"/>
+              </a:buClr>
+              <a:buSzPts val="2800"/>
+              <a:buFont typeface="Arial"/>
+              <a:buNone/>
+              <a:defRPr sz="2800" b="0" i="0" u="none" strike="noStrike" cap="none">
+                <a:solidFill>
+                  <a:schemeClr val="dk1"/>
+                </a:solidFill>
+                <a:latin typeface="Arial"/>
+                <a:ea typeface="Arial"/>
+                <a:cs typeface="Arial"/>
+                <a:sym typeface="Arial"/>
+              </a:defRPr>
+            </a:lvl3pPr>
+            <a:lvl4pPr marR="0" lvl="3" algn="l" rtl="0">
+              <a:lnSpc>
+                <a:spcPct val="100000"/>
+              </a:lnSpc>
+              <a:spcBef>
+                <a:spcPts val="0"/>
+              </a:spcBef>
+              <a:spcAft>
+                <a:spcPts val="0"/>
+              </a:spcAft>
+              <a:buClr>
+                <a:schemeClr val="dk1"/>
+              </a:buClr>
+              <a:buSzPts val="2800"/>
+              <a:buFont typeface="Arial"/>
+              <a:buNone/>
+              <a:defRPr sz="2800" b="0" i="0" u="none" strike="noStrike" cap="none">
+                <a:solidFill>
+                  <a:schemeClr val="dk1"/>
+                </a:solidFill>
+                <a:latin typeface="Arial"/>
+                <a:ea typeface="Arial"/>
+                <a:cs typeface="Arial"/>
+                <a:sym typeface="Arial"/>
+              </a:defRPr>
+            </a:lvl4pPr>
+            <a:lvl5pPr marR="0" lvl="4" algn="l" rtl="0">
+              <a:lnSpc>
+                <a:spcPct val="100000"/>
+              </a:lnSpc>
+              <a:spcBef>
+                <a:spcPts val="0"/>
+              </a:spcBef>
+              <a:spcAft>
+                <a:spcPts val="0"/>
+              </a:spcAft>
+              <a:buClr>
+                <a:schemeClr val="dk1"/>
+              </a:buClr>
+              <a:buSzPts val="2800"/>
+              <a:buFont typeface="Arial"/>
+              <a:buNone/>
+              <a:defRPr sz="2800" b="0" i="0" u="none" strike="noStrike" cap="none">
+                <a:solidFill>
+                  <a:schemeClr val="dk1"/>
+                </a:solidFill>
+                <a:latin typeface="Arial"/>
+                <a:ea typeface="Arial"/>
+                <a:cs typeface="Arial"/>
+                <a:sym typeface="Arial"/>
+              </a:defRPr>
+            </a:lvl5pPr>
+            <a:lvl6pPr marR="0" lvl="5" algn="l" rtl="0">
+              <a:lnSpc>
+                <a:spcPct val="100000"/>
+              </a:lnSpc>
+              <a:spcBef>
+                <a:spcPts val="0"/>
+              </a:spcBef>
+              <a:spcAft>
+                <a:spcPts val="0"/>
+              </a:spcAft>
+              <a:buClr>
+                <a:schemeClr val="dk1"/>
+              </a:buClr>
+              <a:buSzPts val="2800"/>
+              <a:buFont typeface="Arial"/>
+              <a:buNone/>
+              <a:defRPr sz="2800" b="0" i="0" u="none" strike="noStrike" cap="none">
+                <a:solidFill>
+                  <a:schemeClr val="dk1"/>
+                </a:solidFill>
+                <a:latin typeface="Arial"/>
+                <a:ea typeface="Arial"/>
+                <a:cs typeface="Arial"/>
+                <a:sym typeface="Arial"/>
+              </a:defRPr>
+            </a:lvl6pPr>
+            <a:lvl7pPr marR="0" lvl="6" algn="l" rtl="0">
+              <a:lnSpc>
+                <a:spcPct val="100000"/>
+              </a:lnSpc>
+              <a:spcBef>
+                <a:spcPts val="0"/>
+              </a:spcBef>
+              <a:spcAft>
+                <a:spcPts val="0"/>
+              </a:spcAft>
+              <a:buClr>
+                <a:schemeClr val="dk1"/>
+              </a:buClr>
+              <a:buSzPts val="2800"/>
+              <a:buFont typeface="Arial"/>
+              <a:buNone/>
+              <a:defRPr sz="2800" b="0" i="0" u="none" strike="noStrike" cap="none">
+                <a:solidFill>
+                  <a:schemeClr val="dk1"/>
+                </a:solidFill>
+                <a:latin typeface="Arial"/>
+                <a:ea typeface="Arial"/>
+                <a:cs typeface="Arial"/>
+                <a:sym typeface="Arial"/>
+              </a:defRPr>
+            </a:lvl7pPr>
+            <a:lvl8pPr marR="0" lvl="7" algn="l" rtl="0">
+              <a:lnSpc>
+                <a:spcPct val="100000"/>
+              </a:lnSpc>
+              <a:spcBef>
+                <a:spcPts val="0"/>
+              </a:spcBef>
+              <a:spcAft>
+                <a:spcPts val="0"/>
+              </a:spcAft>
+              <a:buClr>
+                <a:schemeClr val="dk1"/>
+              </a:buClr>
+              <a:buSzPts val="2800"/>
+              <a:buFont typeface="Arial"/>
+              <a:buNone/>
+              <a:defRPr sz="2800" b="0" i="0" u="none" strike="noStrike" cap="none">
+                <a:solidFill>
+                  <a:schemeClr val="dk1"/>
+                </a:solidFill>
+                <a:latin typeface="Arial"/>
+                <a:ea typeface="Arial"/>
+                <a:cs typeface="Arial"/>
+                <a:sym typeface="Arial"/>
+              </a:defRPr>
+            </a:lvl8pPr>
+            <a:lvl9pPr marR="0" lvl="8" algn="l" rtl="0">
+              <a:lnSpc>
+                <a:spcPct val="100000"/>
+              </a:lnSpc>
+              <a:spcBef>
+                <a:spcPts val="0"/>
+              </a:spcBef>
+              <a:spcAft>
+                <a:spcPts val="0"/>
+              </a:spcAft>
+              <a:buClr>
+                <a:schemeClr val="dk1"/>
+              </a:buClr>
+              <a:buSzPts val="2800"/>
+              <a:buFont typeface="Arial"/>
+              <a:buNone/>
+              <a:defRPr sz="2800" b="0" i="0" u="none" strike="noStrike" cap="none">
+                <a:solidFill>
+                  <a:schemeClr val="dk1"/>
+                </a:solidFill>
+                <a:latin typeface="Arial"/>
+                <a:ea typeface="Arial"/>
+                <a:cs typeface="Arial"/>
+                <a:sym typeface="Arial"/>
+              </a:defRPr>
+            </a:lvl9pPr>
+          </a:lstStyle>
+          <a:p>
+            <a:r>
+              <a:rPr lang="en-US" sz="2400"/>
+              <a:t>问</a:t>
+            </a:r>
+            <a:r>
+              <a:rPr lang="zh-CN" altLang="en-US" sz="2400"/>
+              <a:t>：写代码的时候怎么表示缩进？</a:t>
+            </a:r>
+            <a:endParaRPr lang="en-US" sz="2400"/>
+          </a:p>
+        </p:txBody>
+      </p:sp>
+      <p:sp>
+        <p:nvSpPr>
+          <p:cNvPr id="3" name="Title 1">
+            <a:extLst>
+              <a:ext uri="{FF2B5EF4-FFF2-40B4-BE49-F238E27FC236}">
+                <a16:creationId xmlns:a16="http://schemas.microsoft.com/office/drawing/2014/main" id="{D5DD86B5-2CA7-83F1-E676-431DDBB1CBE2}"/>
+              </a:ext>
+            </a:extLst>
+          </p:cNvPr>
+          <p:cNvSpPr txBox="1">
+            <a:spLocks/>
+          </p:cNvSpPr>
+          <p:nvPr/>
+        </p:nvSpPr>
+        <p:spPr>
+          <a:xfrm>
+            <a:off x="831200" y="1876609"/>
+            <a:ext cx="11360800" cy="763600"/>
+          </a:xfrm>
+          <a:prstGeom prst="rect">
+            <a:avLst/>
+          </a:prstGeom>
+          <a:noFill/>
+          <a:ln>
+            <a:noFill/>
+          </a:ln>
+        </p:spPr>
+        <p:txBody>
+          <a:bodyPr spcFirstLastPara="1" wrap="square" lIns="121900" tIns="121900" rIns="121900" bIns="121900" anchor="t" anchorCtr="0">
+            <a:noAutofit/>
+          </a:bodyPr>
+          <a:lstStyle>
+            <a:defPPr marR="0" lvl="0" algn="l" rtl="0">
+              <a:lnSpc>
+                <a:spcPct val="100000"/>
+              </a:lnSpc>
+              <a:spcBef>
+                <a:spcPts val="0"/>
+              </a:spcBef>
+              <a:spcAft>
+                <a:spcPts val="0"/>
+              </a:spcAft>
+            </a:defPPr>
+            <a:lvl1pPr marR="0" lvl="0" algn="l" rtl="0">
+              <a:lnSpc>
+                <a:spcPct val="100000"/>
+              </a:lnSpc>
+              <a:spcBef>
+                <a:spcPts val="0"/>
+              </a:spcBef>
+              <a:spcAft>
+                <a:spcPts val="0"/>
+              </a:spcAft>
+              <a:buClr>
+                <a:schemeClr val="dk1"/>
+              </a:buClr>
+              <a:buSzPts val="2800"/>
+              <a:buFont typeface="Arial"/>
+              <a:buNone/>
+              <a:defRPr sz="2800" b="0" i="0" u="none" strike="noStrike" cap="none">
+                <a:solidFill>
+                  <a:schemeClr val="dk1"/>
+                </a:solidFill>
+                <a:latin typeface="Arial"/>
+                <a:ea typeface="Arial"/>
+                <a:cs typeface="Arial"/>
+                <a:sym typeface="Arial"/>
+              </a:defRPr>
+            </a:lvl1pPr>
+            <a:lvl2pPr marR="0" lvl="1" algn="l" rtl="0">
+              <a:lnSpc>
+                <a:spcPct val="100000"/>
+              </a:lnSpc>
+              <a:spcBef>
+                <a:spcPts val="0"/>
+              </a:spcBef>
+              <a:spcAft>
+                <a:spcPts val="0"/>
+              </a:spcAft>
+              <a:buClr>
+                <a:schemeClr val="dk1"/>
+              </a:buClr>
+              <a:buSzPts val="2800"/>
+              <a:buFont typeface="Arial"/>
+              <a:buNone/>
+              <a:defRPr sz="2800" b="0" i="0" u="none" strike="noStrike" cap="none">
+                <a:solidFill>
+                  <a:schemeClr val="dk1"/>
+                </a:solidFill>
+                <a:latin typeface="Arial"/>
+                <a:ea typeface="Arial"/>
+                <a:cs typeface="Arial"/>
+                <a:sym typeface="Arial"/>
+              </a:defRPr>
+            </a:lvl2pPr>
+            <a:lvl3pPr marR="0" lvl="2" algn="l" rtl="0">
+              <a:lnSpc>
+                <a:spcPct val="100000"/>
+              </a:lnSpc>
+              <a:spcBef>
+                <a:spcPts val="0"/>
+              </a:spcBef>
+              <a:spcAft>
+                <a:spcPts val="0"/>
+              </a:spcAft>
+              <a:buClr>
+                <a:schemeClr val="dk1"/>
+              </a:buClr>
+              <a:buSzPts val="2800"/>
+              <a:buFont typeface="Arial"/>
+              <a:buNone/>
+              <a:defRPr sz="2800" b="0" i="0" u="none" strike="noStrike" cap="none">
+                <a:solidFill>
+                  <a:schemeClr val="dk1"/>
+                </a:solidFill>
+                <a:latin typeface="Arial"/>
+                <a:ea typeface="Arial"/>
+                <a:cs typeface="Arial"/>
+                <a:sym typeface="Arial"/>
+              </a:defRPr>
+            </a:lvl3pPr>
+            <a:lvl4pPr marR="0" lvl="3" algn="l" rtl="0">
+              <a:lnSpc>
+                <a:spcPct val="100000"/>
+              </a:lnSpc>
+              <a:spcBef>
+                <a:spcPts val="0"/>
+              </a:spcBef>
+              <a:spcAft>
+                <a:spcPts val="0"/>
+              </a:spcAft>
+              <a:buClr>
+                <a:schemeClr val="dk1"/>
+              </a:buClr>
+              <a:buSzPts val="2800"/>
+              <a:buFont typeface="Arial"/>
+              <a:buNone/>
+              <a:defRPr sz="2800" b="0" i="0" u="none" strike="noStrike" cap="none">
+                <a:solidFill>
+                  <a:schemeClr val="dk1"/>
+                </a:solidFill>
+                <a:latin typeface="Arial"/>
+                <a:ea typeface="Arial"/>
+                <a:cs typeface="Arial"/>
+                <a:sym typeface="Arial"/>
+              </a:defRPr>
+            </a:lvl4pPr>
+            <a:lvl5pPr marR="0" lvl="4" algn="l" rtl="0">
+              <a:lnSpc>
+                <a:spcPct val="100000"/>
+              </a:lnSpc>
+              <a:spcBef>
+                <a:spcPts val="0"/>
+              </a:spcBef>
+              <a:spcAft>
+                <a:spcPts val="0"/>
+              </a:spcAft>
+              <a:buClr>
+                <a:schemeClr val="dk1"/>
+              </a:buClr>
+              <a:buSzPts val="2800"/>
+              <a:buFont typeface="Arial"/>
+              <a:buNone/>
+              <a:defRPr sz="2800" b="0" i="0" u="none" strike="noStrike" cap="none">
+                <a:solidFill>
+                  <a:schemeClr val="dk1"/>
+                </a:solidFill>
+                <a:latin typeface="Arial"/>
+                <a:ea typeface="Arial"/>
+                <a:cs typeface="Arial"/>
+                <a:sym typeface="Arial"/>
+              </a:defRPr>
+            </a:lvl5pPr>
+            <a:lvl6pPr marR="0" lvl="5" algn="l" rtl="0">
+              <a:lnSpc>
+                <a:spcPct val="100000"/>
+              </a:lnSpc>
+              <a:spcBef>
+                <a:spcPts val="0"/>
+              </a:spcBef>
+              <a:spcAft>
+                <a:spcPts val="0"/>
+              </a:spcAft>
+              <a:buClr>
+                <a:schemeClr val="dk1"/>
+              </a:buClr>
+              <a:buSzPts val="2800"/>
+              <a:buFont typeface="Arial"/>
+              <a:buNone/>
+              <a:defRPr sz="2800" b="0" i="0" u="none" strike="noStrike" cap="none">
+                <a:solidFill>
+                  <a:schemeClr val="dk1"/>
+                </a:solidFill>
+                <a:latin typeface="Arial"/>
+                <a:ea typeface="Arial"/>
+                <a:cs typeface="Arial"/>
+                <a:sym typeface="Arial"/>
+              </a:defRPr>
+            </a:lvl6pPr>
+            <a:lvl7pPr marR="0" lvl="6" algn="l" rtl="0">
+              <a:lnSpc>
+                <a:spcPct val="100000"/>
+              </a:lnSpc>
+              <a:spcBef>
+                <a:spcPts val="0"/>
+              </a:spcBef>
+              <a:spcAft>
+                <a:spcPts val="0"/>
+              </a:spcAft>
+              <a:buClr>
+                <a:schemeClr val="dk1"/>
+              </a:buClr>
+              <a:buSzPts val="2800"/>
+              <a:buFont typeface="Arial"/>
+              <a:buNone/>
+              <a:defRPr sz="2800" b="0" i="0" u="none" strike="noStrike" cap="none">
+                <a:solidFill>
+                  <a:schemeClr val="dk1"/>
+                </a:solidFill>
+                <a:latin typeface="Arial"/>
+                <a:ea typeface="Arial"/>
+                <a:cs typeface="Arial"/>
+                <a:sym typeface="Arial"/>
+              </a:defRPr>
+            </a:lvl7pPr>
+            <a:lvl8pPr marR="0" lvl="7" algn="l" rtl="0">
+              <a:lnSpc>
+                <a:spcPct val="100000"/>
+              </a:lnSpc>
+              <a:spcBef>
+                <a:spcPts val="0"/>
+              </a:spcBef>
+              <a:spcAft>
+                <a:spcPts val="0"/>
+              </a:spcAft>
+              <a:buClr>
+                <a:schemeClr val="dk1"/>
+              </a:buClr>
+              <a:buSzPts val="2800"/>
+              <a:buFont typeface="Arial"/>
+              <a:buNone/>
+              <a:defRPr sz="2800" b="0" i="0" u="none" strike="noStrike" cap="none">
+                <a:solidFill>
+                  <a:schemeClr val="dk1"/>
+                </a:solidFill>
+                <a:latin typeface="Arial"/>
+                <a:ea typeface="Arial"/>
+                <a:cs typeface="Arial"/>
+                <a:sym typeface="Arial"/>
+              </a:defRPr>
+            </a:lvl8pPr>
+            <a:lvl9pPr marR="0" lvl="8" algn="l" rtl="0">
+              <a:lnSpc>
+                <a:spcPct val="100000"/>
+              </a:lnSpc>
+              <a:spcBef>
+                <a:spcPts val="0"/>
+              </a:spcBef>
+              <a:spcAft>
+                <a:spcPts val="0"/>
+              </a:spcAft>
+              <a:buClr>
+                <a:schemeClr val="dk1"/>
+              </a:buClr>
+              <a:buSzPts val="2800"/>
+              <a:buFont typeface="Arial"/>
+              <a:buNone/>
+              <a:defRPr sz="2800" b="0" i="0" u="none" strike="noStrike" cap="none">
+                <a:solidFill>
+                  <a:schemeClr val="dk1"/>
+                </a:solidFill>
+                <a:latin typeface="Arial"/>
+                <a:ea typeface="Arial"/>
+                <a:cs typeface="Arial"/>
+                <a:sym typeface="Arial"/>
+              </a:defRPr>
+            </a:lvl9pPr>
+          </a:lstStyle>
+          <a:p>
+            <a:r>
+              <a:rPr lang="zh-CN" altLang="en-US" sz="2400"/>
+              <a:t>答：</a:t>
+            </a:r>
+            <a:r>
+              <a:rPr lang="en-US" altLang="zh-CN" sz="2400"/>
+              <a:t>Python</a:t>
+            </a:r>
+            <a:r>
+              <a:rPr lang="zh-CN" altLang="en-US" sz="2400"/>
+              <a:t>官方并没有对缩进长度做统一要求。但是一个约定俗称的规则是缩进占</a:t>
+            </a:r>
+            <a:r>
+              <a:rPr lang="en-US" altLang="zh-CN" sz="2400"/>
+              <a:t>4</a:t>
+            </a:r>
+            <a:r>
+              <a:rPr lang="zh-CN" altLang="en-US" sz="2400"/>
+              <a:t>个空格。</a:t>
+            </a:r>
+            <a:endParaRPr lang="en-US" altLang="zh-CN" sz="2400"/>
+          </a:p>
+          <a:p>
+            <a:endParaRPr lang="en-US" altLang="zh-CN" sz="2400"/>
+          </a:p>
+          <a:p>
+            <a:r>
+              <a:rPr lang="zh-CN" altLang="en-US" sz="2400"/>
+              <a:t>我的个人的习惯是在编程工具中将</a:t>
+            </a:r>
+            <a:r>
+              <a:rPr lang="en-US" altLang="zh-CN" sz="2400"/>
+              <a:t>tab</a:t>
+            </a:r>
+            <a:r>
+              <a:rPr lang="zh-CN" altLang="en-US" sz="2400"/>
+              <a:t>键设置为</a:t>
+            </a:r>
+            <a:r>
+              <a:rPr lang="en-US" altLang="zh-CN" sz="2400"/>
+              <a:t>4</a:t>
+            </a:r>
+            <a:r>
+              <a:rPr lang="zh-CN" altLang="en-US" sz="2400"/>
+              <a:t>个空格，然后统一使用</a:t>
+            </a:r>
+            <a:r>
+              <a:rPr lang="en-US" altLang="zh-CN" sz="2400"/>
+              <a:t>tab</a:t>
+            </a:r>
+            <a:r>
+              <a:rPr lang="zh-CN" altLang="en-US" sz="2400"/>
+              <a:t>键来表示缩进。这样做的好处是不用每次都敲击</a:t>
+            </a:r>
+            <a:r>
+              <a:rPr lang="en-US" altLang="zh-CN" sz="2400"/>
+              <a:t>4</a:t>
+            </a:r>
+            <a:r>
+              <a:rPr lang="zh-CN" altLang="en-US" sz="2400"/>
+              <a:t>个空格，并且可以保证所有缩进都具有相同的长度。在</a:t>
+            </a:r>
+            <a:r>
+              <a:rPr lang="en-US" altLang="zh-CN" sz="2400"/>
+              <a:t>OnlineGDB</a:t>
+            </a:r>
+            <a:r>
+              <a:rPr lang="zh-CN" altLang="en-US" sz="2400"/>
+              <a:t>中直接使用</a:t>
+            </a:r>
+            <a:r>
+              <a:rPr lang="en-US" altLang="zh-CN" sz="2400"/>
+              <a:t>tab</a:t>
+            </a:r>
+            <a:r>
+              <a:rPr lang="zh-CN" altLang="en-US" sz="2400"/>
+              <a:t>键即可。</a:t>
+            </a:r>
+            <a:endParaRPr lang="en-US" altLang="zh-CN" sz="2400"/>
+          </a:p>
+          <a:p>
+            <a:endParaRPr lang="zh-CN" altLang="en-US" sz="2400"/>
+          </a:p>
+          <a:p>
+            <a:endParaRPr lang="en-US" altLang="zh-CN" sz="2400"/>
+          </a:p>
+          <a:p>
+            <a:endParaRPr lang="en-US" sz="2400"/>
+          </a:p>
+          <a:p>
+            <a:endParaRPr lang="en-US" sz="2400"/>
+          </a:p>
+        </p:txBody>
+      </p:sp>
+    </p:spTree>
+    <p:extLst>
+      <p:ext uri="{BB962C8B-B14F-4D97-AF65-F5344CB8AC3E}">
+        <p14:creationId xmlns:p14="http://schemas.microsoft.com/office/powerpoint/2010/main" val="985069379"/>
+      </p:ext>
+    </p:extLst>
+  </p:cSld>
+  <p:clrMapOvr>
+    <a:masterClrMapping/>
+  </p:clrMapOvr>
+</p:sld>
+</file>
+
+<file path=ppt/slides/slide37.xml><?xml version="1.0" encoding="utf-8"?>
+<p:sld xmlns:a="http://schemas.openxmlformats.org/drawingml/2006/main" xmlns:r="http://schemas.openxmlformats.org/officeDocument/2006/relationships" xmlns:p="http://schemas.openxmlformats.org/presentationml/2006/main">
+  <p:cSld>
+    <p:spTree>
+      <p:nvGrpSpPr>
+        <p:cNvPr id="1" name=""/>
+        <p:cNvGrpSpPr/>
+        <p:nvPr/>
+      </p:nvGrpSpPr>
+      <p:grpSpPr>
+        <a:xfrm>
+          <a:off x="0" y="0"/>
+          <a:ext cx="0" cy="0"/>
+          <a:chOff x="0" y="0"/>
+          <a:chExt cx="0" cy="0"/>
+        </a:xfrm>
+      </p:grpSpPr>
+      <p:sp>
+        <p:nvSpPr>
+          <p:cNvPr id="7" name="Title 1">
+            <a:extLst>
+              <a:ext uri="{FF2B5EF4-FFF2-40B4-BE49-F238E27FC236}">
+                <a16:creationId xmlns:a16="http://schemas.microsoft.com/office/drawing/2014/main" id="{7CEC02CD-03FA-3747-875D-B99E2D4684EC}"/>
+              </a:ext>
+            </a:extLst>
+          </p:cNvPr>
+          <p:cNvSpPr txBox="1">
+            <a:spLocks/>
+          </p:cNvSpPr>
+          <p:nvPr/>
+        </p:nvSpPr>
+        <p:spPr>
+          <a:xfrm>
+            <a:off x="831200" y="888186"/>
+            <a:ext cx="11360800" cy="763600"/>
+          </a:xfrm>
+          <a:prstGeom prst="rect">
+            <a:avLst/>
+          </a:prstGeom>
+          <a:noFill/>
+          <a:ln>
+            <a:noFill/>
+          </a:ln>
+        </p:spPr>
+        <p:txBody>
+          <a:bodyPr spcFirstLastPara="1" wrap="square" lIns="121900" tIns="121900" rIns="121900" bIns="121900" anchor="t" anchorCtr="0">
+            <a:noAutofit/>
+          </a:bodyPr>
+          <a:lstStyle>
+            <a:defPPr marR="0" lvl="0" algn="l" rtl="0">
+              <a:lnSpc>
+                <a:spcPct val="100000"/>
+              </a:lnSpc>
+              <a:spcBef>
+                <a:spcPts val="0"/>
+              </a:spcBef>
+              <a:spcAft>
+                <a:spcPts val="0"/>
+              </a:spcAft>
+            </a:defPPr>
+            <a:lvl1pPr marR="0" lvl="0" algn="l" rtl="0">
+              <a:lnSpc>
+                <a:spcPct val="100000"/>
+              </a:lnSpc>
+              <a:spcBef>
+                <a:spcPts val="0"/>
+              </a:spcBef>
+              <a:spcAft>
+                <a:spcPts val="0"/>
+              </a:spcAft>
+              <a:buClr>
+                <a:schemeClr val="dk1"/>
+              </a:buClr>
+              <a:buSzPts val="2800"/>
+              <a:buFont typeface="Arial"/>
+              <a:buNone/>
+              <a:defRPr sz="2800" b="0" i="0" u="none" strike="noStrike" cap="none">
+                <a:solidFill>
+                  <a:schemeClr val="dk1"/>
+                </a:solidFill>
+                <a:latin typeface="Arial"/>
+                <a:ea typeface="Arial"/>
+                <a:cs typeface="Arial"/>
+                <a:sym typeface="Arial"/>
+              </a:defRPr>
+            </a:lvl1pPr>
+            <a:lvl2pPr marR="0" lvl="1" algn="l" rtl="0">
+              <a:lnSpc>
+                <a:spcPct val="100000"/>
+              </a:lnSpc>
+              <a:spcBef>
+                <a:spcPts val="0"/>
+              </a:spcBef>
+              <a:spcAft>
+                <a:spcPts val="0"/>
+              </a:spcAft>
+              <a:buClr>
+                <a:schemeClr val="dk1"/>
+              </a:buClr>
+              <a:buSzPts val="2800"/>
+              <a:buFont typeface="Arial"/>
+              <a:buNone/>
+              <a:defRPr sz="2800" b="0" i="0" u="none" strike="noStrike" cap="none">
+                <a:solidFill>
+                  <a:schemeClr val="dk1"/>
+                </a:solidFill>
+                <a:latin typeface="Arial"/>
+                <a:ea typeface="Arial"/>
+                <a:cs typeface="Arial"/>
+                <a:sym typeface="Arial"/>
+              </a:defRPr>
+            </a:lvl2pPr>
+            <a:lvl3pPr marR="0" lvl="2" algn="l" rtl="0">
+              <a:lnSpc>
+                <a:spcPct val="100000"/>
+              </a:lnSpc>
+              <a:spcBef>
+                <a:spcPts val="0"/>
+              </a:spcBef>
+              <a:spcAft>
+                <a:spcPts val="0"/>
+              </a:spcAft>
+              <a:buClr>
+                <a:schemeClr val="dk1"/>
+              </a:buClr>
+              <a:buSzPts val="2800"/>
+              <a:buFont typeface="Arial"/>
+              <a:buNone/>
+              <a:defRPr sz="2800" b="0" i="0" u="none" strike="noStrike" cap="none">
+                <a:solidFill>
+                  <a:schemeClr val="dk1"/>
+                </a:solidFill>
+                <a:latin typeface="Arial"/>
+                <a:ea typeface="Arial"/>
+                <a:cs typeface="Arial"/>
+                <a:sym typeface="Arial"/>
+              </a:defRPr>
+            </a:lvl3pPr>
+            <a:lvl4pPr marR="0" lvl="3" algn="l" rtl="0">
+              <a:lnSpc>
+                <a:spcPct val="100000"/>
+              </a:lnSpc>
+              <a:spcBef>
+                <a:spcPts val="0"/>
+              </a:spcBef>
+              <a:spcAft>
+                <a:spcPts val="0"/>
+              </a:spcAft>
+              <a:buClr>
+                <a:schemeClr val="dk1"/>
+              </a:buClr>
+              <a:buSzPts val="2800"/>
+              <a:buFont typeface="Arial"/>
+              <a:buNone/>
+              <a:defRPr sz="2800" b="0" i="0" u="none" strike="noStrike" cap="none">
+                <a:solidFill>
+                  <a:schemeClr val="dk1"/>
+                </a:solidFill>
+                <a:latin typeface="Arial"/>
+                <a:ea typeface="Arial"/>
+                <a:cs typeface="Arial"/>
+                <a:sym typeface="Arial"/>
+              </a:defRPr>
+            </a:lvl4pPr>
+            <a:lvl5pPr marR="0" lvl="4" algn="l" rtl="0">
+              <a:lnSpc>
+                <a:spcPct val="100000"/>
+              </a:lnSpc>
+              <a:spcBef>
+                <a:spcPts val="0"/>
+              </a:spcBef>
+              <a:spcAft>
+                <a:spcPts val="0"/>
+              </a:spcAft>
+              <a:buClr>
+                <a:schemeClr val="dk1"/>
+              </a:buClr>
+              <a:buSzPts val="2800"/>
+              <a:buFont typeface="Arial"/>
+              <a:buNone/>
+              <a:defRPr sz="2800" b="0" i="0" u="none" strike="noStrike" cap="none">
+                <a:solidFill>
+                  <a:schemeClr val="dk1"/>
+                </a:solidFill>
+                <a:latin typeface="Arial"/>
+                <a:ea typeface="Arial"/>
+                <a:cs typeface="Arial"/>
+                <a:sym typeface="Arial"/>
+              </a:defRPr>
+            </a:lvl5pPr>
+            <a:lvl6pPr marR="0" lvl="5" algn="l" rtl="0">
+              <a:lnSpc>
+                <a:spcPct val="100000"/>
+              </a:lnSpc>
+              <a:spcBef>
+                <a:spcPts val="0"/>
+              </a:spcBef>
+              <a:spcAft>
+                <a:spcPts val="0"/>
+              </a:spcAft>
+              <a:buClr>
+                <a:schemeClr val="dk1"/>
+              </a:buClr>
+              <a:buSzPts val="2800"/>
+              <a:buFont typeface="Arial"/>
+              <a:buNone/>
+              <a:defRPr sz="2800" b="0" i="0" u="none" strike="noStrike" cap="none">
+                <a:solidFill>
+                  <a:schemeClr val="dk1"/>
+                </a:solidFill>
+                <a:latin typeface="Arial"/>
+                <a:ea typeface="Arial"/>
+                <a:cs typeface="Arial"/>
+                <a:sym typeface="Arial"/>
+              </a:defRPr>
+            </a:lvl6pPr>
+            <a:lvl7pPr marR="0" lvl="6" algn="l" rtl="0">
+              <a:lnSpc>
+                <a:spcPct val="100000"/>
+              </a:lnSpc>
+              <a:spcBef>
+                <a:spcPts val="0"/>
+              </a:spcBef>
+              <a:spcAft>
+                <a:spcPts val="0"/>
+              </a:spcAft>
+              <a:buClr>
+                <a:schemeClr val="dk1"/>
+              </a:buClr>
+              <a:buSzPts val="2800"/>
+              <a:buFont typeface="Arial"/>
+              <a:buNone/>
+              <a:defRPr sz="2800" b="0" i="0" u="none" strike="noStrike" cap="none">
+                <a:solidFill>
+                  <a:schemeClr val="dk1"/>
+                </a:solidFill>
+                <a:latin typeface="Arial"/>
+                <a:ea typeface="Arial"/>
+                <a:cs typeface="Arial"/>
+                <a:sym typeface="Arial"/>
+              </a:defRPr>
+            </a:lvl7pPr>
+            <a:lvl8pPr marR="0" lvl="7" algn="l" rtl="0">
+              <a:lnSpc>
+                <a:spcPct val="100000"/>
+              </a:lnSpc>
+              <a:spcBef>
+                <a:spcPts val="0"/>
+              </a:spcBef>
+              <a:spcAft>
+                <a:spcPts val="0"/>
+              </a:spcAft>
+              <a:buClr>
+                <a:schemeClr val="dk1"/>
+              </a:buClr>
+              <a:buSzPts val="2800"/>
+              <a:buFont typeface="Arial"/>
+              <a:buNone/>
+              <a:defRPr sz="2800" b="0" i="0" u="none" strike="noStrike" cap="none">
+                <a:solidFill>
+                  <a:schemeClr val="dk1"/>
+                </a:solidFill>
+                <a:latin typeface="Arial"/>
+                <a:ea typeface="Arial"/>
+                <a:cs typeface="Arial"/>
+                <a:sym typeface="Arial"/>
+              </a:defRPr>
+            </a:lvl8pPr>
+            <a:lvl9pPr marR="0" lvl="8" algn="l" rtl="0">
+              <a:lnSpc>
+                <a:spcPct val="100000"/>
+              </a:lnSpc>
+              <a:spcBef>
+                <a:spcPts val="0"/>
+              </a:spcBef>
+              <a:spcAft>
+                <a:spcPts val="0"/>
+              </a:spcAft>
+              <a:buClr>
+                <a:schemeClr val="dk1"/>
+              </a:buClr>
+              <a:buSzPts val="2800"/>
+              <a:buFont typeface="Arial"/>
+              <a:buNone/>
+              <a:defRPr sz="2800" b="0" i="0" u="none" strike="noStrike" cap="none">
+                <a:solidFill>
+                  <a:schemeClr val="dk1"/>
+                </a:solidFill>
+                <a:latin typeface="Arial"/>
+                <a:ea typeface="Arial"/>
+                <a:cs typeface="Arial"/>
+                <a:sym typeface="Arial"/>
+              </a:defRPr>
+            </a:lvl9pPr>
+          </a:lstStyle>
+          <a:p>
+            <a:r>
+              <a:rPr lang="en-US" sz="2400"/>
+              <a:t>问</a:t>
+            </a:r>
+            <a:r>
+              <a:rPr lang="zh-CN" altLang="en-US" sz="2400"/>
               <a:t>：写代码的时候怎么表示缩进？</a:t>
             </a:r>
             <a:endParaRPr lang="en-US" sz="2400"/>
@@ -26155,7 +27720,7 @@
 </p:sld>
 </file>
 
-<file path=ppt/slides/slide33.xml><?xml version="1.0" encoding="utf-8"?>
+<file path=ppt/slides/slide38.xml><?xml version="1.0" encoding="utf-8"?>
 <p:sld xmlns:a="http://schemas.openxmlformats.org/drawingml/2006/main" xmlns:r="http://schemas.openxmlformats.org/officeDocument/2006/relationships" xmlns:p="http://schemas.openxmlformats.org/presentationml/2006/main">
   <p:cSld>
     <p:spTree>
@@ -26663,7 +28228,7 @@
 </p:sld>
 </file>
 
-<file path=ppt/slides/slide34.xml><?xml version="1.0" encoding="utf-8"?>
+<file path=ppt/slides/slide39.xml><?xml version="1.0" encoding="utf-8"?>
 <p:sld xmlns:a="http://schemas.openxmlformats.org/drawingml/2006/main" xmlns:r="http://schemas.openxmlformats.org/officeDocument/2006/relationships" xmlns:p="http://schemas.openxmlformats.org/presentationml/2006/main">
   <p:cSld>
     <p:spTree>
